--- a/objectDetection/yolo/drow.pptx
+++ b/objectDetection/yolo/drow.pptx
@@ -5,7 +5,8 @@
     <p:sldMasterId id="2147483648" r:id="rId1"/>
   </p:sldMasterIdLst>
   <p:sldIdLst>
-    <p:sldId id="256" r:id="rId2"/>
+    <p:sldId id="256" r:id="rId3"/>
+    <p:sldId id="257" r:id="rId4"/>
   </p:sldIdLst>
   <p:sldSz cx="12192000" cy="6858000"/>
   <p:notesSz cx="6858000" cy="9144000"/>
@@ -126,18 +127,12 @@
       </p:grpSpPr>
       <p:sp>
         <p:nvSpPr>
-          <p:cNvPr id="2" name="标题 1">
-            <a:extLst>
-              <a:ext uri="{FF2B5EF4-FFF2-40B4-BE49-F238E27FC236}">
-                <a16:creationId xmlns:a16="http://schemas.microsoft.com/office/drawing/2014/main" id="{BF6B69AC-9D8D-4B38-B878-26114921EA2F}"/>
-              </a:ext>
-            </a:extLst>
-          </p:cNvPr>
+          <p:cNvPr id="2" name="标题 1"/>
           <p:cNvSpPr>
             <a:spLocks noGrp="1"/>
           </p:cNvSpPr>
           <p:nvPr>
-            <p:ph type="ctrTitle"/>
+            <p:ph type="ctrTitle" hasCustomPrompt="1"/>
           </p:nvPr>
         </p:nvSpPr>
         <p:spPr>
@@ -163,18 +158,12 @@
       </p:sp>
       <p:sp>
         <p:nvSpPr>
-          <p:cNvPr id="3" name="副标题 2">
-            <a:extLst>
-              <a:ext uri="{FF2B5EF4-FFF2-40B4-BE49-F238E27FC236}">
-                <a16:creationId xmlns:a16="http://schemas.microsoft.com/office/drawing/2014/main" id="{F28E3EF4-2B8E-4C2A-B32D-120251A17A24}"/>
-              </a:ext>
-            </a:extLst>
-          </p:cNvPr>
+          <p:cNvPr id="3" name="副标题 2"/>
           <p:cNvSpPr>
             <a:spLocks noGrp="1"/>
           </p:cNvSpPr>
           <p:nvPr>
-            <p:ph type="subTitle" idx="1"/>
+            <p:ph type="subTitle" idx="1" hasCustomPrompt="1"/>
           </p:nvPr>
         </p:nvSpPr>
         <p:spPr>
@@ -233,13 +222,7 @@
       </p:sp>
       <p:sp>
         <p:nvSpPr>
-          <p:cNvPr id="4" name="日期占位符 3">
-            <a:extLst>
-              <a:ext uri="{FF2B5EF4-FFF2-40B4-BE49-F238E27FC236}">
-                <a16:creationId xmlns:a16="http://schemas.microsoft.com/office/drawing/2014/main" id="{341FD558-9034-4CD3-BACB-C1D7B8ABF14C}"/>
-              </a:ext>
-            </a:extLst>
-          </p:cNvPr>
+          <p:cNvPr id="4" name="日期占位符 3"/>
           <p:cNvSpPr>
             <a:spLocks noGrp="1"/>
           </p:cNvSpPr>
@@ -254,7 +237,6 @@
           <a:p>
             <a:fld id="{868B5A6A-0F3A-4FC6-8AEE-D020EB1976BB}" type="datetimeFigureOut">
               <a:rPr lang="zh-CN" altLang="en-US" smtClean="0"/>
-              <a:t>2018/6/7</a:t>
             </a:fld>
             <a:endParaRPr lang="zh-CN" altLang="en-US"/>
           </a:p>
@@ -262,13 +244,7 @@
       </p:sp>
       <p:sp>
         <p:nvSpPr>
-          <p:cNvPr id="5" name="页脚占位符 4">
-            <a:extLst>
-              <a:ext uri="{FF2B5EF4-FFF2-40B4-BE49-F238E27FC236}">
-                <a16:creationId xmlns:a16="http://schemas.microsoft.com/office/drawing/2014/main" id="{B036E4BA-A0F8-49FD-96FD-8131E6558460}"/>
-              </a:ext>
-            </a:extLst>
-          </p:cNvPr>
+          <p:cNvPr id="5" name="页脚占位符 4"/>
           <p:cNvSpPr>
             <a:spLocks noGrp="1"/>
           </p:cNvSpPr>
@@ -287,13 +263,7 @@
       </p:sp>
       <p:sp>
         <p:nvSpPr>
-          <p:cNvPr id="6" name="灯片编号占位符 5">
-            <a:extLst>
-              <a:ext uri="{FF2B5EF4-FFF2-40B4-BE49-F238E27FC236}">
-                <a16:creationId xmlns:a16="http://schemas.microsoft.com/office/drawing/2014/main" id="{75CF5893-80E4-4D6B-9DE4-04CA3EFAA772}"/>
-              </a:ext>
-            </a:extLst>
-          </p:cNvPr>
+          <p:cNvPr id="6" name="灯片编号占位符 5"/>
           <p:cNvSpPr>
             <a:spLocks noGrp="1"/>
           </p:cNvSpPr>
@@ -308,18 +278,12 @@
           <a:p>
             <a:fld id="{A7A99B74-E500-474A-AE6C-3786F7421360}" type="slidenum">
               <a:rPr lang="zh-CN" altLang="en-US" smtClean="0"/>
-              <a:t>‹#›</a:t>
             </a:fld>
             <a:endParaRPr lang="zh-CN" altLang="en-US"/>
           </a:p>
         </p:txBody>
       </p:sp>
     </p:spTree>
-    <p:extLst>
-      <p:ext uri="{BB962C8B-B14F-4D97-AF65-F5344CB8AC3E}">
-        <p14:creationId xmlns:p14="http://schemas.microsoft.com/office/powerpoint/2010/main" val="58255208"/>
-      </p:ext>
-    </p:extLst>
   </p:cSld>
   <p:clrMapOvr>
     <a:masterClrMapping/>
@@ -346,18 +310,12 @@
       </p:grpSpPr>
       <p:sp>
         <p:nvSpPr>
-          <p:cNvPr id="2" name="标题 1">
-            <a:extLst>
-              <a:ext uri="{FF2B5EF4-FFF2-40B4-BE49-F238E27FC236}">
-                <a16:creationId xmlns:a16="http://schemas.microsoft.com/office/drawing/2014/main" id="{F6BCD796-A596-41A5-AC90-50B6450CDA9A}"/>
-              </a:ext>
-            </a:extLst>
-          </p:cNvPr>
+          <p:cNvPr id="2" name="标题 1"/>
           <p:cNvSpPr>
             <a:spLocks noGrp="1"/>
           </p:cNvSpPr>
           <p:nvPr>
-            <p:ph type="title"/>
+            <p:ph type="title" hasCustomPrompt="1"/>
           </p:nvPr>
         </p:nvSpPr>
         <p:spPr/>
@@ -374,18 +332,12 @@
       </p:sp>
       <p:sp>
         <p:nvSpPr>
-          <p:cNvPr id="3" name="竖排文字占位符 2">
-            <a:extLst>
-              <a:ext uri="{FF2B5EF4-FFF2-40B4-BE49-F238E27FC236}">
-                <a16:creationId xmlns:a16="http://schemas.microsoft.com/office/drawing/2014/main" id="{9A735711-1D72-421F-9836-1380044CEA8E}"/>
-              </a:ext>
-            </a:extLst>
-          </p:cNvPr>
+          <p:cNvPr id="3" name="竖排文字占位符 2"/>
           <p:cNvSpPr>
             <a:spLocks noGrp="1"/>
           </p:cNvSpPr>
           <p:nvPr>
-            <p:ph type="body" orient="vert" idx="1"/>
+            <p:ph type="body" orient="vert" idx="1" hasCustomPrompt="1"/>
           </p:nvPr>
         </p:nvSpPr>
         <p:spPr/>
@@ -398,6 +350,7 @@
               <a:rPr lang="zh-CN" altLang="en-US"/>
               <a:t>编辑母版文本样式</a:t>
             </a:r>
+            <a:endParaRPr lang="zh-CN" altLang="en-US"/>
           </a:p>
           <a:p>
             <a:pPr lvl="1"/>
@@ -405,6 +358,7 @@
               <a:rPr lang="zh-CN" altLang="en-US"/>
               <a:t>第二级</a:t>
             </a:r>
+            <a:endParaRPr lang="zh-CN" altLang="en-US"/>
           </a:p>
           <a:p>
             <a:pPr lvl="2"/>
@@ -412,6 +366,7 @@
               <a:rPr lang="zh-CN" altLang="en-US"/>
               <a:t>第三级</a:t>
             </a:r>
+            <a:endParaRPr lang="zh-CN" altLang="en-US"/>
           </a:p>
           <a:p>
             <a:pPr lvl="3"/>
@@ -419,6 +374,7 @@
               <a:rPr lang="zh-CN" altLang="en-US"/>
               <a:t>第四级</a:t>
             </a:r>
+            <a:endParaRPr lang="zh-CN" altLang="en-US"/>
           </a:p>
           <a:p>
             <a:pPr lvl="4"/>
@@ -431,13 +387,7 @@
       </p:sp>
       <p:sp>
         <p:nvSpPr>
-          <p:cNvPr id="4" name="日期占位符 3">
-            <a:extLst>
-              <a:ext uri="{FF2B5EF4-FFF2-40B4-BE49-F238E27FC236}">
-                <a16:creationId xmlns:a16="http://schemas.microsoft.com/office/drawing/2014/main" id="{506A5B54-93C5-4A2A-A252-BB80574A8AA4}"/>
-              </a:ext>
-            </a:extLst>
-          </p:cNvPr>
+          <p:cNvPr id="4" name="日期占位符 3"/>
           <p:cNvSpPr>
             <a:spLocks noGrp="1"/>
           </p:cNvSpPr>
@@ -452,7 +402,6 @@
           <a:p>
             <a:fld id="{868B5A6A-0F3A-4FC6-8AEE-D020EB1976BB}" type="datetimeFigureOut">
               <a:rPr lang="zh-CN" altLang="en-US" smtClean="0"/>
-              <a:t>2018/6/7</a:t>
             </a:fld>
             <a:endParaRPr lang="zh-CN" altLang="en-US"/>
           </a:p>
@@ -460,13 +409,7 @@
       </p:sp>
       <p:sp>
         <p:nvSpPr>
-          <p:cNvPr id="5" name="页脚占位符 4">
-            <a:extLst>
-              <a:ext uri="{FF2B5EF4-FFF2-40B4-BE49-F238E27FC236}">
-                <a16:creationId xmlns:a16="http://schemas.microsoft.com/office/drawing/2014/main" id="{2E9718A1-27AA-4F7C-8957-6460DD784CF7}"/>
-              </a:ext>
-            </a:extLst>
-          </p:cNvPr>
+          <p:cNvPr id="5" name="页脚占位符 4"/>
           <p:cNvSpPr>
             <a:spLocks noGrp="1"/>
           </p:cNvSpPr>
@@ -485,13 +428,7 @@
       </p:sp>
       <p:sp>
         <p:nvSpPr>
-          <p:cNvPr id="6" name="灯片编号占位符 5">
-            <a:extLst>
-              <a:ext uri="{FF2B5EF4-FFF2-40B4-BE49-F238E27FC236}">
-                <a16:creationId xmlns:a16="http://schemas.microsoft.com/office/drawing/2014/main" id="{A11EEBA2-2DAE-47F9-AD07-8D7E7468F9BA}"/>
-              </a:ext>
-            </a:extLst>
-          </p:cNvPr>
+          <p:cNvPr id="6" name="灯片编号占位符 5"/>
           <p:cNvSpPr>
             <a:spLocks noGrp="1"/>
           </p:cNvSpPr>
@@ -506,18 +443,12 @@
           <a:p>
             <a:fld id="{A7A99B74-E500-474A-AE6C-3786F7421360}" type="slidenum">
               <a:rPr lang="zh-CN" altLang="en-US" smtClean="0"/>
-              <a:t>‹#›</a:t>
             </a:fld>
             <a:endParaRPr lang="zh-CN" altLang="en-US"/>
           </a:p>
         </p:txBody>
       </p:sp>
     </p:spTree>
-    <p:extLst>
-      <p:ext uri="{BB962C8B-B14F-4D97-AF65-F5344CB8AC3E}">
-        <p14:creationId xmlns:p14="http://schemas.microsoft.com/office/powerpoint/2010/main" val="2070264282"/>
-      </p:ext>
-    </p:extLst>
   </p:cSld>
   <p:clrMapOvr>
     <a:masterClrMapping/>
@@ -544,18 +475,12 @@
       </p:grpSpPr>
       <p:sp>
         <p:nvSpPr>
-          <p:cNvPr id="2" name="竖排标题 1">
-            <a:extLst>
-              <a:ext uri="{FF2B5EF4-FFF2-40B4-BE49-F238E27FC236}">
-                <a16:creationId xmlns:a16="http://schemas.microsoft.com/office/drawing/2014/main" id="{F829C91E-A4FE-41AC-BD74-160BDE62F345}"/>
-              </a:ext>
-            </a:extLst>
-          </p:cNvPr>
+          <p:cNvPr id="2" name="竖排标题 1"/>
           <p:cNvSpPr>
             <a:spLocks noGrp="1"/>
           </p:cNvSpPr>
           <p:nvPr>
-            <p:ph type="title" orient="vert"/>
+            <p:ph type="title" orient="vert" hasCustomPrompt="1"/>
           </p:nvPr>
         </p:nvSpPr>
         <p:spPr>
@@ -577,18 +502,12 @@
       </p:sp>
       <p:sp>
         <p:nvSpPr>
-          <p:cNvPr id="3" name="竖排文字占位符 2">
-            <a:extLst>
-              <a:ext uri="{FF2B5EF4-FFF2-40B4-BE49-F238E27FC236}">
-                <a16:creationId xmlns:a16="http://schemas.microsoft.com/office/drawing/2014/main" id="{EDFAAD60-8755-488D-81E7-37AFCE2867AC}"/>
-              </a:ext>
-            </a:extLst>
-          </p:cNvPr>
+          <p:cNvPr id="3" name="竖排文字占位符 2"/>
           <p:cNvSpPr>
             <a:spLocks noGrp="1"/>
           </p:cNvSpPr>
           <p:nvPr>
-            <p:ph type="body" orient="vert" idx="1"/>
+            <p:ph type="body" orient="vert" idx="1" hasCustomPrompt="1"/>
           </p:nvPr>
         </p:nvSpPr>
         <p:spPr>
@@ -606,6 +525,7 @@
               <a:rPr lang="zh-CN" altLang="en-US"/>
               <a:t>编辑母版文本样式</a:t>
             </a:r>
+            <a:endParaRPr lang="zh-CN" altLang="en-US"/>
           </a:p>
           <a:p>
             <a:pPr lvl="1"/>
@@ -613,6 +533,7 @@
               <a:rPr lang="zh-CN" altLang="en-US"/>
               <a:t>第二级</a:t>
             </a:r>
+            <a:endParaRPr lang="zh-CN" altLang="en-US"/>
           </a:p>
           <a:p>
             <a:pPr lvl="2"/>
@@ -620,6 +541,7 @@
               <a:rPr lang="zh-CN" altLang="en-US"/>
               <a:t>第三级</a:t>
             </a:r>
+            <a:endParaRPr lang="zh-CN" altLang="en-US"/>
           </a:p>
           <a:p>
             <a:pPr lvl="3"/>
@@ -627,6 +549,7 @@
               <a:rPr lang="zh-CN" altLang="en-US"/>
               <a:t>第四级</a:t>
             </a:r>
+            <a:endParaRPr lang="zh-CN" altLang="en-US"/>
           </a:p>
           <a:p>
             <a:pPr lvl="4"/>
@@ -639,13 +562,7 @@
       </p:sp>
       <p:sp>
         <p:nvSpPr>
-          <p:cNvPr id="4" name="日期占位符 3">
-            <a:extLst>
-              <a:ext uri="{FF2B5EF4-FFF2-40B4-BE49-F238E27FC236}">
-                <a16:creationId xmlns:a16="http://schemas.microsoft.com/office/drawing/2014/main" id="{E045FE7A-F3A9-4164-A91D-1A64A6BD6754}"/>
-              </a:ext>
-            </a:extLst>
-          </p:cNvPr>
+          <p:cNvPr id="4" name="日期占位符 3"/>
           <p:cNvSpPr>
             <a:spLocks noGrp="1"/>
           </p:cNvSpPr>
@@ -660,7 +577,6 @@
           <a:p>
             <a:fld id="{868B5A6A-0F3A-4FC6-8AEE-D020EB1976BB}" type="datetimeFigureOut">
               <a:rPr lang="zh-CN" altLang="en-US" smtClean="0"/>
-              <a:t>2018/6/7</a:t>
             </a:fld>
             <a:endParaRPr lang="zh-CN" altLang="en-US"/>
           </a:p>
@@ -668,13 +584,7 @@
       </p:sp>
       <p:sp>
         <p:nvSpPr>
-          <p:cNvPr id="5" name="页脚占位符 4">
-            <a:extLst>
-              <a:ext uri="{FF2B5EF4-FFF2-40B4-BE49-F238E27FC236}">
-                <a16:creationId xmlns:a16="http://schemas.microsoft.com/office/drawing/2014/main" id="{B23AB892-86D5-45B6-AD95-FB930C4681A5}"/>
-              </a:ext>
-            </a:extLst>
-          </p:cNvPr>
+          <p:cNvPr id="5" name="页脚占位符 4"/>
           <p:cNvSpPr>
             <a:spLocks noGrp="1"/>
           </p:cNvSpPr>
@@ -693,13 +603,7 @@
       </p:sp>
       <p:sp>
         <p:nvSpPr>
-          <p:cNvPr id="6" name="灯片编号占位符 5">
-            <a:extLst>
-              <a:ext uri="{FF2B5EF4-FFF2-40B4-BE49-F238E27FC236}">
-                <a16:creationId xmlns:a16="http://schemas.microsoft.com/office/drawing/2014/main" id="{959616A0-3C30-4B17-A447-CD4D9A8F54A8}"/>
-              </a:ext>
-            </a:extLst>
-          </p:cNvPr>
+          <p:cNvPr id="6" name="灯片编号占位符 5"/>
           <p:cNvSpPr>
             <a:spLocks noGrp="1"/>
           </p:cNvSpPr>
@@ -714,18 +618,12 @@
           <a:p>
             <a:fld id="{A7A99B74-E500-474A-AE6C-3786F7421360}" type="slidenum">
               <a:rPr lang="zh-CN" altLang="en-US" smtClean="0"/>
-              <a:t>‹#›</a:t>
             </a:fld>
             <a:endParaRPr lang="zh-CN" altLang="en-US"/>
           </a:p>
         </p:txBody>
       </p:sp>
     </p:spTree>
-    <p:extLst>
-      <p:ext uri="{BB962C8B-B14F-4D97-AF65-F5344CB8AC3E}">
-        <p14:creationId xmlns:p14="http://schemas.microsoft.com/office/powerpoint/2010/main" val="3069846790"/>
-      </p:ext>
-    </p:extLst>
   </p:cSld>
   <p:clrMapOvr>
     <a:masterClrMapping/>
@@ -752,18 +650,12 @@
       </p:grpSpPr>
       <p:sp>
         <p:nvSpPr>
-          <p:cNvPr id="2" name="标题 1">
-            <a:extLst>
-              <a:ext uri="{FF2B5EF4-FFF2-40B4-BE49-F238E27FC236}">
-                <a16:creationId xmlns:a16="http://schemas.microsoft.com/office/drawing/2014/main" id="{DC1FC6D6-AAF3-42FE-8DB9-B8DFD6F51AD6}"/>
-              </a:ext>
-            </a:extLst>
-          </p:cNvPr>
+          <p:cNvPr id="2" name="标题 1"/>
           <p:cNvSpPr>
             <a:spLocks noGrp="1"/>
           </p:cNvSpPr>
           <p:nvPr>
-            <p:ph type="title"/>
+            <p:ph type="title" hasCustomPrompt="1"/>
           </p:nvPr>
         </p:nvSpPr>
         <p:spPr/>
@@ -780,18 +672,12 @@
       </p:sp>
       <p:sp>
         <p:nvSpPr>
-          <p:cNvPr id="3" name="内容占位符 2">
-            <a:extLst>
-              <a:ext uri="{FF2B5EF4-FFF2-40B4-BE49-F238E27FC236}">
-                <a16:creationId xmlns:a16="http://schemas.microsoft.com/office/drawing/2014/main" id="{6521A9C7-1013-4D47-90F5-BEDE0FE9F58B}"/>
-              </a:ext>
-            </a:extLst>
-          </p:cNvPr>
+          <p:cNvPr id="3" name="内容占位符 2"/>
           <p:cNvSpPr>
             <a:spLocks noGrp="1"/>
           </p:cNvSpPr>
           <p:nvPr>
-            <p:ph idx="1"/>
+            <p:ph idx="1" hasCustomPrompt="1"/>
           </p:nvPr>
         </p:nvSpPr>
         <p:spPr/>
@@ -804,6 +690,7 @@
               <a:rPr lang="zh-CN" altLang="en-US"/>
               <a:t>编辑母版文本样式</a:t>
             </a:r>
+            <a:endParaRPr lang="zh-CN" altLang="en-US"/>
           </a:p>
           <a:p>
             <a:pPr lvl="1"/>
@@ -811,6 +698,7 @@
               <a:rPr lang="zh-CN" altLang="en-US"/>
               <a:t>第二级</a:t>
             </a:r>
+            <a:endParaRPr lang="zh-CN" altLang="en-US"/>
           </a:p>
           <a:p>
             <a:pPr lvl="2"/>
@@ -818,6 +706,7 @@
               <a:rPr lang="zh-CN" altLang="en-US"/>
               <a:t>第三级</a:t>
             </a:r>
+            <a:endParaRPr lang="zh-CN" altLang="en-US"/>
           </a:p>
           <a:p>
             <a:pPr lvl="3"/>
@@ -825,6 +714,7 @@
               <a:rPr lang="zh-CN" altLang="en-US"/>
               <a:t>第四级</a:t>
             </a:r>
+            <a:endParaRPr lang="zh-CN" altLang="en-US"/>
           </a:p>
           <a:p>
             <a:pPr lvl="4"/>
@@ -837,13 +727,7 @@
       </p:sp>
       <p:sp>
         <p:nvSpPr>
-          <p:cNvPr id="4" name="日期占位符 3">
-            <a:extLst>
-              <a:ext uri="{FF2B5EF4-FFF2-40B4-BE49-F238E27FC236}">
-                <a16:creationId xmlns:a16="http://schemas.microsoft.com/office/drawing/2014/main" id="{F100D25C-A8A5-486D-860C-93D448FC1C5E}"/>
-              </a:ext>
-            </a:extLst>
-          </p:cNvPr>
+          <p:cNvPr id="4" name="日期占位符 3"/>
           <p:cNvSpPr>
             <a:spLocks noGrp="1"/>
           </p:cNvSpPr>
@@ -858,7 +742,6 @@
           <a:p>
             <a:fld id="{868B5A6A-0F3A-4FC6-8AEE-D020EB1976BB}" type="datetimeFigureOut">
               <a:rPr lang="zh-CN" altLang="en-US" smtClean="0"/>
-              <a:t>2018/6/7</a:t>
             </a:fld>
             <a:endParaRPr lang="zh-CN" altLang="en-US"/>
           </a:p>
@@ -866,13 +749,7 @@
       </p:sp>
       <p:sp>
         <p:nvSpPr>
-          <p:cNvPr id="5" name="页脚占位符 4">
-            <a:extLst>
-              <a:ext uri="{FF2B5EF4-FFF2-40B4-BE49-F238E27FC236}">
-                <a16:creationId xmlns:a16="http://schemas.microsoft.com/office/drawing/2014/main" id="{358EA709-80B2-4C12-9456-3FDB3430AE35}"/>
-              </a:ext>
-            </a:extLst>
-          </p:cNvPr>
+          <p:cNvPr id="5" name="页脚占位符 4"/>
           <p:cNvSpPr>
             <a:spLocks noGrp="1"/>
           </p:cNvSpPr>
@@ -891,13 +768,7 @@
       </p:sp>
       <p:sp>
         <p:nvSpPr>
-          <p:cNvPr id="6" name="灯片编号占位符 5">
-            <a:extLst>
-              <a:ext uri="{FF2B5EF4-FFF2-40B4-BE49-F238E27FC236}">
-                <a16:creationId xmlns:a16="http://schemas.microsoft.com/office/drawing/2014/main" id="{DC4A0176-BB6E-46E7-AA51-D25AF341FBBC}"/>
-              </a:ext>
-            </a:extLst>
-          </p:cNvPr>
+          <p:cNvPr id="6" name="灯片编号占位符 5"/>
           <p:cNvSpPr>
             <a:spLocks noGrp="1"/>
           </p:cNvSpPr>
@@ -912,18 +783,12 @@
           <a:p>
             <a:fld id="{A7A99B74-E500-474A-AE6C-3786F7421360}" type="slidenum">
               <a:rPr lang="zh-CN" altLang="en-US" smtClean="0"/>
-              <a:t>‹#›</a:t>
             </a:fld>
             <a:endParaRPr lang="zh-CN" altLang="en-US"/>
           </a:p>
         </p:txBody>
       </p:sp>
     </p:spTree>
-    <p:extLst>
-      <p:ext uri="{BB962C8B-B14F-4D97-AF65-F5344CB8AC3E}">
-        <p14:creationId xmlns:p14="http://schemas.microsoft.com/office/powerpoint/2010/main" val="1290442696"/>
-      </p:ext>
-    </p:extLst>
   </p:cSld>
   <p:clrMapOvr>
     <a:masterClrMapping/>
@@ -950,18 +815,12 @@
       </p:grpSpPr>
       <p:sp>
         <p:nvSpPr>
-          <p:cNvPr id="2" name="标题 1">
-            <a:extLst>
-              <a:ext uri="{FF2B5EF4-FFF2-40B4-BE49-F238E27FC236}">
-                <a16:creationId xmlns:a16="http://schemas.microsoft.com/office/drawing/2014/main" id="{C0ED06F1-85A1-4420-9BB7-B01DBC9F7F09}"/>
-              </a:ext>
-            </a:extLst>
-          </p:cNvPr>
+          <p:cNvPr id="2" name="标题 1"/>
           <p:cNvSpPr>
             <a:spLocks noGrp="1"/>
           </p:cNvSpPr>
           <p:nvPr>
-            <p:ph type="title"/>
+            <p:ph type="title" hasCustomPrompt="1"/>
           </p:nvPr>
         </p:nvSpPr>
         <p:spPr>
@@ -987,18 +846,12 @@
       </p:sp>
       <p:sp>
         <p:nvSpPr>
-          <p:cNvPr id="3" name="文本占位符 2">
-            <a:extLst>
-              <a:ext uri="{FF2B5EF4-FFF2-40B4-BE49-F238E27FC236}">
-                <a16:creationId xmlns:a16="http://schemas.microsoft.com/office/drawing/2014/main" id="{2C0A3631-D553-4ACE-8452-1209A4AF4858}"/>
-              </a:ext>
-            </a:extLst>
-          </p:cNvPr>
+          <p:cNvPr id="3" name="文本占位符 2"/>
           <p:cNvSpPr>
             <a:spLocks noGrp="1"/>
           </p:cNvSpPr>
           <p:nvPr>
-            <p:ph type="body" idx="1"/>
+            <p:ph type="body" idx="1" hasCustomPrompt="1"/>
           </p:nvPr>
         </p:nvSpPr>
         <p:spPr>
@@ -1112,13 +965,7 @@
       </p:sp>
       <p:sp>
         <p:nvSpPr>
-          <p:cNvPr id="4" name="日期占位符 3">
-            <a:extLst>
-              <a:ext uri="{FF2B5EF4-FFF2-40B4-BE49-F238E27FC236}">
-                <a16:creationId xmlns:a16="http://schemas.microsoft.com/office/drawing/2014/main" id="{A68CE6A1-A0BA-44D4-B82F-07A0AC569430}"/>
-              </a:ext>
-            </a:extLst>
-          </p:cNvPr>
+          <p:cNvPr id="4" name="日期占位符 3"/>
           <p:cNvSpPr>
             <a:spLocks noGrp="1"/>
           </p:cNvSpPr>
@@ -1133,7 +980,6 @@
           <a:p>
             <a:fld id="{868B5A6A-0F3A-4FC6-8AEE-D020EB1976BB}" type="datetimeFigureOut">
               <a:rPr lang="zh-CN" altLang="en-US" smtClean="0"/>
-              <a:t>2018/6/7</a:t>
             </a:fld>
             <a:endParaRPr lang="zh-CN" altLang="en-US"/>
           </a:p>
@@ -1141,13 +987,7 @@
       </p:sp>
       <p:sp>
         <p:nvSpPr>
-          <p:cNvPr id="5" name="页脚占位符 4">
-            <a:extLst>
-              <a:ext uri="{FF2B5EF4-FFF2-40B4-BE49-F238E27FC236}">
-                <a16:creationId xmlns:a16="http://schemas.microsoft.com/office/drawing/2014/main" id="{98415F13-54BE-45FB-9F98-11E5DB8116D0}"/>
-              </a:ext>
-            </a:extLst>
-          </p:cNvPr>
+          <p:cNvPr id="5" name="页脚占位符 4"/>
           <p:cNvSpPr>
             <a:spLocks noGrp="1"/>
           </p:cNvSpPr>
@@ -1166,13 +1006,7 @@
       </p:sp>
       <p:sp>
         <p:nvSpPr>
-          <p:cNvPr id="6" name="灯片编号占位符 5">
-            <a:extLst>
-              <a:ext uri="{FF2B5EF4-FFF2-40B4-BE49-F238E27FC236}">
-                <a16:creationId xmlns:a16="http://schemas.microsoft.com/office/drawing/2014/main" id="{856EC832-50A3-4653-8422-2B2FA12EE0A2}"/>
-              </a:ext>
-            </a:extLst>
-          </p:cNvPr>
+          <p:cNvPr id="6" name="灯片编号占位符 5"/>
           <p:cNvSpPr>
             <a:spLocks noGrp="1"/>
           </p:cNvSpPr>
@@ -1187,18 +1021,12 @@
           <a:p>
             <a:fld id="{A7A99B74-E500-474A-AE6C-3786F7421360}" type="slidenum">
               <a:rPr lang="zh-CN" altLang="en-US" smtClean="0"/>
-              <a:t>‹#›</a:t>
             </a:fld>
             <a:endParaRPr lang="zh-CN" altLang="en-US"/>
           </a:p>
         </p:txBody>
       </p:sp>
     </p:spTree>
-    <p:extLst>
-      <p:ext uri="{BB962C8B-B14F-4D97-AF65-F5344CB8AC3E}">
-        <p14:creationId xmlns:p14="http://schemas.microsoft.com/office/powerpoint/2010/main" val="4121149018"/>
-      </p:ext>
-    </p:extLst>
   </p:cSld>
   <p:clrMapOvr>
     <a:masterClrMapping/>
@@ -1225,18 +1053,12 @@
       </p:grpSpPr>
       <p:sp>
         <p:nvSpPr>
-          <p:cNvPr id="2" name="标题 1">
-            <a:extLst>
-              <a:ext uri="{FF2B5EF4-FFF2-40B4-BE49-F238E27FC236}">
-                <a16:creationId xmlns:a16="http://schemas.microsoft.com/office/drawing/2014/main" id="{F93AE01C-68E4-4FB8-ABC4-F1AB31B12D6A}"/>
-              </a:ext>
-            </a:extLst>
-          </p:cNvPr>
+          <p:cNvPr id="2" name="标题 1"/>
           <p:cNvSpPr>
             <a:spLocks noGrp="1"/>
           </p:cNvSpPr>
           <p:nvPr>
-            <p:ph type="title"/>
+            <p:ph type="title" hasCustomPrompt="1"/>
           </p:nvPr>
         </p:nvSpPr>
         <p:spPr/>
@@ -1253,18 +1075,12 @@
       </p:sp>
       <p:sp>
         <p:nvSpPr>
-          <p:cNvPr id="3" name="内容占位符 2">
-            <a:extLst>
-              <a:ext uri="{FF2B5EF4-FFF2-40B4-BE49-F238E27FC236}">
-                <a16:creationId xmlns:a16="http://schemas.microsoft.com/office/drawing/2014/main" id="{2B6C5DDC-A431-458A-8CD2-564DD4FC5144}"/>
-              </a:ext>
-            </a:extLst>
-          </p:cNvPr>
+          <p:cNvPr id="3" name="内容占位符 2"/>
           <p:cNvSpPr>
             <a:spLocks noGrp="1"/>
           </p:cNvSpPr>
           <p:nvPr>
-            <p:ph sz="half" idx="1"/>
+            <p:ph sz="half" idx="1" hasCustomPrompt="1"/>
           </p:nvPr>
         </p:nvSpPr>
         <p:spPr>
@@ -1282,6 +1098,7 @@
               <a:rPr lang="zh-CN" altLang="en-US"/>
               <a:t>编辑母版文本样式</a:t>
             </a:r>
+            <a:endParaRPr lang="zh-CN" altLang="en-US"/>
           </a:p>
           <a:p>
             <a:pPr lvl="1"/>
@@ -1289,6 +1106,7 @@
               <a:rPr lang="zh-CN" altLang="en-US"/>
               <a:t>第二级</a:t>
             </a:r>
+            <a:endParaRPr lang="zh-CN" altLang="en-US"/>
           </a:p>
           <a:p>
             <a:pPr lvl="2"/>
@@ -1296,6 +1114,7 @@
               <a:rPr lang="zh-CN" altLang="en-US"/>
               <a:t>第三级</a:t>
             </a:r>
+            <a:endParaRPr lang="zh-CN" altLang="en-US"/>
           </a:p>
           <a:p>
             <a:pPr lvl="3"/>
@@ -1303,6 +1122,7 @@
               <a:rPr lang="zh-CN" altLang="en-US"/>
               <a:t>第四级</a:t>
             </a:r>
+            <a:endParaRPr lang="zh-CN" altLang="en-US"/>
           </a:p>
           <a:p>
             <a:pPr lvl="4"/>
@@ -1315,18 +1135,12 @@
       </p:sp>
       <p:sp>
         <p:nvSpPr>
-          <p:cNvPr id="4" name="内容占位符 3">
-            <a:extLst>
-              <a:ext uri="{FF2B5EF4-FFF2-40B4-BE49-F238E27FC236}">
-                <a16:creationId xmlns:a16="http://schemas.microsoft.com/office/drawing/2014/main" id="{2751161C-ACD8-49C4-A7DE-D0DF57565A3B}"/>
-              </a:ext>
-            </a:extLst>
-          </p:cNvPr>
+          <p:cNvPr id="4" name="内容占位符 3"/>
           <p:cNvSpPr>
             <a:spLocks noGrp="1"/>
           </p:cNvSpPr>
           <p:nvPr>
-            <p:ph sz="half" idx="2"/>
+            <p:ph sz="half" idx="2" hasCustomPrompt="1"/>
           </p:nvPr>
         </p:nvSpPr>
         <p:spPr>
@@ -1344,6 +1158,7 @@
               <a:rPr lang="zh-CN" altLang="en-US"/>
               <a:t>编辑母版文本样式</a:t>
             </a:r>
+            <a:endParaRPr lang="zh-CN" altLang="en-US"/>
           </a:p>
           <a:p>
             <a:pPr lvl="1"/>
@@ -1351,6 +1166,7 @@
               <a:rPr lang="zh-CN" altLang="en-US"/>
               <a:t>第二级</a:t>
             </a:r>
+            <a:endParaRPr lang="zh-CN" altLang="en-US"/>
           </a:p>
           <a:p>
             <a:pPr lvl="2"/>
@@ -1358,6 +1174,7 @@
               <a:rPr lang="zh-CN" altLang="en-US"/>
               <a:t>第三级</a:t>
             </a:r>
+            <a:endParaRPr lang="zh-CN" altLang="en-US"/>
           </a:p>
           <a:p>
             <a:pPr lvl="3"/>
@@ -1365,6 +1182,7 @@
               <a:rPr lang="zh-CN" altLang="en-US"/>
               <a:t>第四级</a:t>
             </a:r>
+            <a:endParaRPr lang="zh-CN" altLang="en-US"/>
           </a:p>
           <a:p>
             <a:pPr lvl="4"/>
@@ -1377,13 +1195,7 @@
       </p:sp>
       <p:sp>
         <p:nvSpPr>
-          <p:cNvPr id="5" name="日期占位符 4">
-            <a:extLst>
-              <a:ext uri="{FF2B5EF4-FFF2-40B4-BE49-F238E27FC236}">
-                <a16:creationId xmlns:a16="http://schemas.microsoft.com/office/drawing/2014/main" id="{8620F6A0-6150-47CC-A1B9-12BCC7017DE8}"/>
-              </a:ext>
-            </a:extLst>
-          </p:cNvPr>
+          <p:cNvPr id="5" name="日期占位符 4"/>
           <p:cNvSpPr>
             <a:spLocks noGrp="1"/>
           </p:cNvSpPr>
@@ -1398,7 +1210,6 @@
           <a:p>
             <a:fld id="{868B5A6A-0F3A-4FC6-8AEE-D020EB1976BB}" type="datetimeFigureOut">
               <a:rPr lang="zh-CN" altLang="en-US" smtClean="0"/>
-              <a:t>2018/6/7</a:t>
             </a:fld>
             <a:endParaRPr lang="zh-CN" altLang="en-US"/>
           </a:p>
@@ -1406,13 +1217,7 @@
       </p:sp>
       <p:sp>
         <p:nvSpPr>
-          <p:cNvPr id="6" name="页脚占位符 5">
-            <a:extLst>
-              <a:ext uri="{FF2B5EF4-FFF2-40B4-BE49-F238E27FC236}">
-                <a16:creationId xmlns:a16="http://schemas.microsoft.com/office/drawing/2014/main" id="{0844911F-F5A8-4145-A509-9B5D635EE9D3}"/>
-              </a:ext>
-            </a:extLst>
-          </p:cNvPr>
+          <p:cNvPr id="6" name="页脚占位符 5"/>
           <p:cNvSpPr>
             <a:spLocks noGrp="1"/>
           </p:cNvSpPr>
@@ -1431,13 +1236,7 @@
       </p:sp>
       <p:sp>
         <p:nvSpPr>
-          <p:cNvPr id="7" name="灯片编号占位符 6">
-            <a:extLst>
-              <a:ext uri="{FF2B5EF4-FFF2-40B4-BE49-F238E27FC236}">
-                <a16:creationId xmlns:a16="http://schemas.microsoft.com/office/drawing/2014/main" id="{5A611432-8D9B-4FBE-A8E2-7605AA168C2B}"/>
-              </a:ext>
-            </a:extLst>
-          </p:cNvPr>
+          <p:cNvPr id="7" name="灯片编号占位符 6"/>
           <p:cNvSpPr>
             <a:spLocks noGrp="1"/>
           </p:cNvSpPr>
@@ -1452,18 +1251,12 @@
           <a:p>
             <a:fld id="{A7A99B74-E500-474A-AE6C-3786F7421360}" type="slidenum">
               <a:rPr lang="zh-CN" altLang="en-US" smtClean="0"/>
-              <a:t>‹#›</a:t>
             </a:fld>
             <a:endParaRPr lang="zh-CN" altLang="en-US"/>
           </a:p>
         </p:txBody>
       </p:sp>
     </p:spTree>
-    <p:extLst>
-      <p:ext uri="{BB962C8B-B14F-4D97-AF65-F5344CB8AC3E}">
-        <p14:creationId xmlns:p14="http://schemas.microsoft.com/office/powerpoint/2010/main" val="769473957"/>
-      </p:ext>
-    </p:extLst>
   </p:cSld>
   <p:clrMapOvr>
     <a:masterClrMapping/>
@@ -1490,18 +1283,12 @@
       </p:grpSpPr>
       <p:sp>
         <p:nvSpPr>
-          <p:cNvPr id="2" name="标题 1">
-            <a:extLst>
-              <a:ext uri="{FF2B5EF4-FFF2-40B4-BE49-F238E27FC236}">
-                <a16:creationId xmlns:a16="http://schemas.microsoft.com/office/drawing/2014/main" id="{D265A32C-4718-46AD-A2E3-7854E91998FB}"/>
-              </a:ext>
-            </a:extLst>
-          </p:cNvPr>
+          <p:cNvPr id="2" name="标题 1"/>
           <p:cNvSpPr>
             <a:spLocks noGrp="1"/>
           </p:cNvSpPr>
           <p:nvPr>
-            <p:ph type="title"/>
+            <p:ph type="title" hasCustomPrompt="1"/>
           </p:nvPr>
         </p:nvSpPr>
         <p:spPr>
@@ -1523,18 +1310,12 @@
       </p:sp>
       <p:sp>
         <p:nvSpPr>
-          <p:cNvPr id="3" name="文本占位符 2">
-            <a:extLst>
-              <a:ext uri="{FF2B5EF4-FFF2-40B4-BE49-F238E27FC236}">
-                <a16:creationId xmlns:a16="http://schemas.microsoft.com/office/drawing/2014/main" id="{104223AF-4CAC-41FD-8504-9304D786C91F}"/>
-              </a:ext>
-            </a:extLst>
-          </p:cNvPr>
+          <p:cNvPr id="3" name="文本占位符 2"/>
           <p:cNvSpPr>
             <a:spLocks noGrp="1"/>
           </p:cNvSpPr>
           <p:nvPr>
-            <p:ph type="body" idx="1"/>
+            <p:ph type="body" idx="1" hasCustomPrompt="1"/>
           </p:nvPr>
         </p:nvSpPr>
         <p:spPr>
@@ -1594,18 +1375,12 @@
       </p:sp>
       <p:sp>
         <p:nvSpPr>
-          <p:cNvPr id="4" name="内容占位符 3">
-            <a:extLst>
-              <a:ext uri="{FF2B5EF4-FFF2-40B4-BE49-F238E27FC236}">
-                <a16:creationId xmlns:a16="http://schemas.microsoft.com/office/drawing/2014/main" id="{F37B07C8-F5C4-400C-8E73-5C485FB67F59}"/>
-              </a:ext>
-            </a:extLst>
-          </p:cNvPr>
+          <p:cNvPr id="4" name="内容占位符 3"/>
           <p:cNvSpPr>
             <a:spLocks noGrp="1"/>
           </p:cNvSpPr>
           <p:nvPr>
-            <p:ph sz="half" idx="2"/>
+            <p:ph sz="half" idx="2" hasCustomPrompt="1"/>
           </p:nvPr>
         </p:nvSpPr>
         <p:spPr>
@@ -1623,6 +1398,7 @@
               <a:rPr lang="zh-CN" altLang="en-US"/>
               <a:t>编辑母版文本样式</a:t>
             </a:r>
+            <a:endParaRPr lang="zh-CN" altLang="en-US"/>
           </a:p>
           <a:p>
             <a:pPr lvl="1"/>
@@ -1630,6 +1406,7 @@
               <a:rPr lang="zh-CN" altLang="en-US"/>
               <a:t>第二级</a:t>
             </a:r>
+            <a:endParaRPr lang="zh-CN" altLang="en-US"/>
           </a:p>
           <a:p>
             <a:pPr lvl="2"/>
@@ -1637,6 +1414,7 @@
               <a:rPr lang="zh-CN" altLang="en-US"/>
               <a:t>第三级</a:t>
             </a:r>
+            <a:endParaRPr lang="zh-CN" altLang="en-US"/>
           </a:p>
           <a:p>
             <a:pPr lvl="3"/>
@@ -1644,6 +1422,7 @@
               <a:rPr lang="zh-CN" altLang="en-US"/>
               <a:t>第四级</a:t>
             </a:r>
+            <a:endParaRPr lang="zh-CN" altLang="en-US"/>
           </a:p>
           <a:p>
             <a:pPr lvl="4"/>
@@ -1656,18 +1435,12 @@
       </p:sp>
       <p:sp>
         <p:nvSpPr>
-          <p:cNvPr id="5" name="文本占位符 4">
-            <a:extLst>
-              <a:ext uri="{FF2B5EF4-FFF2-40B4-BE49-F238E27FC236}">
-                <a16:creationId xmlns:a16="http://schemas.microsoft.com/office/drawing/2014/main" id="{524BF131-2745-4A30-AAC4-435B57AD9890}"/>
-              </a:ext>
-            </a:extLst>
-          </p:cNvPr>
+          <p:cNvPr id="5" name="文本占位符 4"/>
           <p:cNvSpPr>
             <a:spLocks noGrp="1"/>
           </p:cNvSpPr>
           <p:nvPr>
-            <p:ph type="body" sz="quarter" idx="3"/>
+            <p:ph type="body" sz="quarter" idx="3" hasCustomPrompt="1"/>
           </p:nvPr>
         </p:nvSpPr>
         <p:spPr>
@@ -1727,18 +1500,12 @@
       </p:sp>
       <p:sp>
         <p:nvSpPr>
-          <p:cNvPr id="6" name="内容占位符 5">
-            <a:extLst>
-              <a:ext uri="{FF2B5EF4-FFF2-40B4-BE49-F238E27FC236}">
-                <a16:creationId xmlns:a16="http://schemas.microsoft.com/office/drawing/2014/main" id="{9267880B-55AA-4120-8B8B-D6075466001B}"/>
-              </a:ext>
-            </a:extLst>
-          </p:cNvPr>
+          <p:cNvPr id="6" name="内容占位符 5"/>
           <p:cNvSpPr>
             <a:spLocks noGrp="1"/>
           </p:cNvSpPr>
           <p:nvPr>
-            <p:ph sz="quarter" idx="4"/>
+            <p:ph sz="quarter" idx="4" hasCustomPrompt="1"/>
           </p:nvPr>
         </p:nvSpPr>
         <p:spPr>
@@ -1756,6 +1523,7 @@
               <a:rPr lang="zh-CN" altLang="en-US"/>
               <a:t>编辑母版文本样式</a:t>
             </a:r>
+            <a:endParaRPr lang="zh-CN" altLang="en-US"/>
           </a:p>
           <a:p>
             <a:pPr lvl="1"/>
@@ -1763,6 +1531,7 @@
               <a:rPr lang="zh-CN" altLang="en-US"/>
               <a:t>第二级</a:t>
             </a:r>
+            <a:endParaRPr lang="zh-CN" altLang="en-US"/>
           </a:p>
           <a:p>
             <a:pPr lvl="2"/>
@@ -1770,6 +1539,7 @@
               <a:rPr lang="zh-CN" altLang="en-US"/>
               <a:t>第三级</a:t>
             </a:r>
+            <a:endParaRPr lang="zh-CN" altLang="en-US"/>
           </a:p>
           <a:p>
             <a:pPr lvl="3"/>
@@ -1777,6 +1547,7 @@
               <a:rPr lang="zh-CN" altLang="en-US"/>
               <a:t>第四级</a:t>
             </a:r>
+            <a:endParaRPr lang="zh-CN" altLang="en-US"/>
           </a:p>
           <a:p>
             <a:pPr lvl="4"/>
@@ -1789,13 +1560,7 @@
       </p:sp>
       <p:sp>
         <p:nvSpPr>
-          <p:cNvPr id="7" name="日期占位符 6">
-            <a:extLst>
-              <a:ext uri="{FF2B5EF4-FFF2-40B4-BE49-F238E27FC236}">
-                <a16:creationId xmlns:a16="http://schemas.microsoft.com/office/drawing/2014/main" id="{427EA096-185B-42CD-9D22-474DDCD304D9}"/>
-              </a:ext>
-            </a:extLst>
-          </p:cNvPr>
+          <p:cNvPr id="7" name="日期占位符 6"/>
           <p:cNvSpPr>
             <a:spLocks noGrp="1"/>
           </p:cNvSpPr>
@@ -1810,7 +1575,6 @@
           <a:p>
             <a:fld id="{868B5A6A-0F3A-4FC6-8AEE-D020EB1976BB}" type="datetimeFigureOut">
               <a:rPr lang="zh-CN" altLang="en-US" smtClean="0"/>
-              <a:t>2018/6/7</a:t>
             </a:fld>
             <a:endParaRPr lang="zh-CN" altLang="en-US"/>
           </a:p>
@@ -1818,13 +1582,7 @@
       </p:sp>
       <p:sp>
         <p:nvSpPr>
-          <p:cNvPr id="8" name="页脚占位符 7">
-            <a:extLst>
-              <a:ext uri="{FF2B5EF4-FFF2-40B4-BE49-F238E27FC236}">
-                <a16:creationId xmlns:a16="http://schemas.microsoft.com/office/drawing/2014/main" id="{5B8A838B-81C3-4805-96F4-6AC1BB649B68}"/>
-              </a:ext>
-            </a:extLst>
-          </p:cNvPr>
+          <p:cNvPr id="8" name="页脚占位符 7"/>
           <p:cNvSpPr>
             <a:spLocks noGrp="1"/>
           </p:cNvSpPr>
@@ -1843,13 +1601,7 @@
       </p:sp>
       <p:sp>
         <p:nvSpPr>
-          <p:cNvPr id="9" name="灯片编号占位符 8">
-            <a:extLst>
-              <a:ext uri="{FF2B5EF4-FFF2-40B4-BE49-F238E27FC236}">
-                <a16:creationId xmlns:a16="http://schemas.microsoft.com/office/drawing/2014/main" id="{481237B7-75EC-4BBD-AB74-3E77BC344B13}"/>
-              </a:ext>
-            </a:extLst>
-          </p:cNvPr>
+          <p:cNvPr id="9" name="灯片编号占位符 8"/>
           <p:cNvSpPr>
             <a:spLocks noGrp="1"/>
           </p:cNvSpPr>
@@ -1864,18 +1616,12 @@
           <a:p>
             <a:fld id="{A7A99B74-E500-474A-AE6C-3786F7421360}" type="slidenum">
               <a:rPr lang="zh-CN" altLang="en-US" smtClean="0"/>
-              <a:t>‹#›</a:t>
             </a:fld>
             <a:endParaRPr lang="zh-CN" altLang="en-US"/>
           </a:p>
         </p:txBody>
       </p:sp>
     </p:spTree>
-    <p:extLst>
-      <p:ext uri="{BB962C8B-B14F-4D97-AF65-F5344CB8AC3E}">
-        <p14:creationId xmlns:p14="http://schemas.microsoft.com/office/powerpoint/2010/main" val="2959811199"/>
-      </p:ext>
-    </p:extLst>
   </p:cSld>
   <p:clrMapOvr>
     <a:masterClrMapping/>
@@ -1902,18 +1648,12 @@
       </p:grpSpPr>
       <p:sp>
         <p:nvSpPr>
-          <p:cNvPr id="2" name="标题 1">
-            <a:extLst>
-              <a:ext uri="{FF2B5EF4-FFF2-40B4-BE49-F238E27FC236}">
-                <a16:creationId xmlns:a16="http://schemas.microsoft.com/office/drawing/2014/main" id="{65D609C4-C018-4F18-8757-0ED82DEE8A24}"/>
-              </a:ext>
-            </a:extLst>
-          </p:cNvPr>
+          <p:cNvPr id="2" name="标题 1"/>
           <p:cNvSpPr>
             <a:spLocks noGrp="1"/>
           </p:cNvSpPr>
           <p:nvPr>
-            <p:ph type="title"/>
+            <p:ph type="title" hasCustomPrompt="1"/>
           </p:nvPr>
         </p:nvSpPr>
         <p:spPr/>
@@ -1930,13 +1670,7 @@
       </p:sp>
       <p:sp>
         <p:nvSpPr>
-          <p:cNvPr id="3" name="日期占位符 2">
-            <a:extLst>
-              <a:ext uri="{FF2B5EF4-FFF2-40B4-BE49-F238E27FC236}">
-                <a16:creationId xmlns:a16="http://schemas.microsoft.com/office/drawing/2014/main" id="{44E307D1-C361-4251-BFE6-D3387BB4F3C3}"/>
-              </a:ext>
-            </a:extLst>
-          </p:cNvPr>
+          <p:cNvPr id="3" name="日期占位符 2"/>
           <p:cNvSpPr>
             <a:spLocks noGrp="1"/>
           </p:cNvSpPr>
@@ -1951,7 +1685,6 @@
           <a:p>
             <a:fld id="{868B5A6A-0F3A-4FC6-8AEE-D020EB1976BB}" type="datetimeFigureOut">
               <a:rPr lang="zh-CN" altLang="en-US" smtClean="0"/>
-              <a:t>2018/6/7</a:t>
             </a:fld>
             <a:endParaRPr lang="zh-CN" altLang="en-US"/>
           </a:p>
@@ -1959,13 +1692,7 @@
       </p:sp>
       <p:sp>
         <p:nvSpPr>
-          <p:cNvPr id="4" name="页脚占位符 3">
-            <a:extLst>
-              <a:ext uri="{FF2B5EF4-FFF2-40B4-BE49-F238E27FC236}">
-                <a16:creationId xmlns:a16="http://schemas.microsoft.com/office/drawing/2014/main" id="{1EB8E1C6-6D84-4B8E-BA7B-A8189E66602B}"/>
-              </a:ext>
-            </a:extLst>
-          </p:cNvPr>
+          <p:cNvPr id="4" name="页脚占位符 3"/>
           <p:cNvSpPr>
             <a:spLocks noGrp="1"/>
           </p:cNvSpPr>
@@ -1984,13 +1711,7 @@
       </p:sp>
       <p:sp>
         <p:nvSpPr>
-          <p:cNvPr id="5" name="灯片编号占位符 4">
-            <a:extLst>
-              <a:ext uri="{FF2B5EF4-FFF2-40B4-BE49-F238E27FC236}">
-                <a16:creationId xmlns:a16="http://schemas.microsoft.com/office/drawing/2014/main" id="{06884C83-5E6C-4B65-B047-03D5933B14C1}"/>
-              </a:ext>
-            </a:extLst>
-          </p:cNvPr>
+          <p:cNvPr id="5" name="灯片编号占位符 4"/>
           <p:cNvSpPr>
             <a:spLocks noGrp="1"/>
           </p:cNvSpPr>
@@ -2005,18 +1726,12 @@
           <a:p>
             <a:fld id="{A7A99B74-E500-474A-AE6C-3786F7421360}" type="slidenum">
               <a:rPr lang="zh-CN" altLang="en-US" smtClean="0"/>
-              <a:t>‹#›</a:t>
             </a:fld>
             <a:endParaRPr lang="zh-CN" altLang="en-US"/>
           </a:p>
         </p:txBody>
       </p:sp>
     </p:spTree>
-    <p:extLst>
-      <p:ext uri="{BB962C8B-B14F-4D97-AF65-F5344CB8AC3E}">
-        <p14:creationId xmlns:p14="http://schemas.microsoft.com/office/powerpoint/2010/main" val="3943715589"/>
-      </p:ext>
-    </p:extLst>
   </p:cSld>
   <p:clrMapOvr>
     <a:masterClrMapping/>
@@ -2043,13 +1758,7 @@
       </p:grpSpPr>
       <p:sp>
         <p:nvSpPr>
-          <p:cNvPr id="2" name="日期占位符 1">
-            <a:extLst>
-              <a:ext uri="{FF2B5EF4-FFF2-40B4-BE49-F238E27FC236}">
-                <a16:creationId xmlns:a16="http://schemas.microsoft.com/office/drawing/2014/main" id="{B4B9C0CF-CE12-4558-8A54-E03A06405112}"/>
-              </a:ext>
-            </a:extLst>
-          </p:cNvPr>
+          <p:cNvPr id="2" name="日期占位符 1"/>
           <p:cNvSpPr>
             <a:spLocks noGrp="1"/>
           </p:cNvSpPr>
@@ -2064,7 +1773,6 @@
           <a:p>
             <a:fld id="{868B5A6A-0F3A-4FC6-8AEE-D020EB1976BB}" type="datetimeFigureOut">
               <a:rPr lang="zh-CN" altLang="en-US" smtClean="0"/>
-              <a:t>2018/6/7</a:t>
             </a:fld>
             <a:endParaRPr lang="zh-CN" altLang="en-US"/>
           </a:p>
@@ -2072,13 +1780,7 @@
       </p:sp>
       <p:sp>
         <p:nvSpPr>
-          <p:cNvPr id="3" name="页脚占位符 2">
-            <a:extLst>
-              <a:ext uri="{FF2B5EF4-FFF2-40B4-BE49-F238E27FC236}">
-                <a16:creationId xmlns:a16="http://schemas.microsoft.com/office/drawing/2014/main" id="{AA7A3D6C-BCDE-4137-AF34-FE37E4BFD504}"/>
-              </a:ext>
-            </a:extLst>
-          </p:cNvPr>
+          <p:cNvPr id="3" name="页脚占位符 2"/>
           <p:cNvSpPr>
             <a:spLocks noGrp="1"/>
           </p:cNvSpPr>
@@ -2097,13 +1799,7 @@
       </p:sp>
       <p:sp>
         <p:nvSpPr>
-          <p:cNvPr id="4" name="灯片编号占位符 3">
-            <a:extLst>
-              <a:ext uri="{FF2B5EF4-FFF2-40B4-BE49-F238E27FC236}">
-                <a16:creationId xmlns:a16="http://schemas.microsoft.com/office/drawing/2014/main" id="{AF343565-5671-4D64-AB64-0A4BB6863F3E}"/>
-              </a:ext>
-            </a:extLst>
-          </p:cNvPr>
+          <p:cNvPr id="4" name="灯片编号占位符 3"/>
           <p:cNvSpPr>
             <a:spLocks noGrp="1"/>
           </p:cNvSpPr>
@@ -2118,18 +1814,12 @@
           <a:p>
             <a:fld id="{A7A99B74-E500-474A-AE6C-3786F7421360}" type="slidenum">
               <a:rPr lang="zh-CN" altLang="en-US" smtClean="0"/>
-              <a:t>‹#›</a:t>
             </a:fld>
             <a:endParaRPr lang="zh-CN" altLang="en-US"/>
           </a:p>
         </p:txBody>
       </p:sp>
     </p:spTree>
-    <p:extLst>
-      <p:ext uri="{BB962C8B-B14F-4D97-AF65-F5344CB8AC3E}">
-        <p14:creationId xmlns:p14="http://schemas.microsoft.com/office/powerpoint/2010/main" val="721178369"/>
-      </p:ext>
-    </p:extLst>
   </p:cSld>
   <p:clrMapOvr>
     <a:masterClrMapping/>
@@ -2156,18 +1846,12 @@
       </p:grpSpPr>
       <p:sp>
         <p:nvSpPr>
-          <p:cNvPr id="2" name="标题 1">
-            <a:extLst>
-              <a:ext uri="{FF2B5EF4-FFF2-40B4-BE49-F238E27FC236}">
-                <a16:creationId xmlns:a16="http://schemas.microsoft.com/office/drawing/2014/main" id="{49953BA4-A17B-41F5-8133-98F569682115}"/>
-              </a:ext>
-            </a:extLst>
-          </p:cNvPr>
+          <p:cNvPr id="2" name="标题 1"/>
           <p:cNvSpPr>
             <a:spLocks noGrp="1"/>
           </p:cNvSpPr>
           <p:nvPr>
-            <p:ph type="title"/>
+            <p:ph type="title" hasCustomPrompt="1"/>
           </p:nvPr>
         </p:nvSpPr>
         <p:spPr>
@@ -2193,18 +1877,12 @@
       </p:sp>
       <p:sp>
         <p:nvSpPr>
-          <p:cNvPr id="3" name="内容占位符 2">
-            <a:extLst>
-              <a:ext uri="{FF2B5EF4-FFF2-40B4-BE49-F238E27FC236}">
-                <a16:creationId xmlns:a16="http://schemas.microsoft.com/office/drawing/2014/main" id="{97E2BF5A-7013-426D-9210-F9AA4D1285D2}"/>
-              </a:ext>
-            </a:extLst>
-          </p:cNvPr>
+          <p:cNvPr id="3" name="内容占位符 2"/>
           <p:cNvSpPr>
             <a:spLocks noGrp="1"/>
           </p:cNvSpPr>
           <p:nvPr>
-            <p:ph idx="1"/>
+            <p:ph idx="1" hasCustomPrompt="1"/>
           </p:nvPr>
         </p:nvSpPr>
         <p:spPr>
@@ -2250,6 +1928,7 @@
               <a:rPr lang="zh-CN" altLang="en-US"/>
               <a:t>编辑母版文本样式</a:t>
             </a:r>
+            <a:endParaRPr lang="zh-CN" altLang="en-US"/>
           </a:p>
           <a:p>
             <a:pPr lvl="1"/>
@@ -2257,6 +1936,7 @@
               <a:rPr lang="zh-CN" altLang="en-US"/>
               <a:t>第二级</a:t>
             </a:r>
+            <a:endParaRPr lang="zh-CN" altLang="en-US"/>
           </a:p>
           <a:p>
             <a:pPr lvl="2"/>
@@ -2264,6 +1944,7 @@
               <a:rPr lang="zh-CN" altLang="en-US"/>
               <a:t>第三级</a:t>
             </a:r>
+            <a:endParaRPr lang="zh-CN" altLang="en-US"/>
           </a:p>
           <a:p>
             <a:pPr lvl="3"/>
@@ -2271,6 +1952,7 @@
               <a:rPr lang="zh-CN" altLang="en-US"/>
               <a:t>第四级</a:t>
             </a:r>
+            <a:endParaRPr lang="zh-CN" altLang="en-US"/>
           </a:p>
           <a:p>
             <a:pPr lvl="4"/>
@@ -2283,18 +1965,12 @@
       </p:sp>
       <p:sp>
         <p:nvSpPr>
-          <p:cNvPr id="4" name="文本占位符 3">
-            <a:extLst>
-              <a:ext uri="{FF2B5EF4-FFF2-40B4-BE49-F238E27FC236}">
-                <a16:creationId xmlns:a16="http://schemas.microsoft.com/office/drawing/2014/main" id="{1B0799A4-8E11-4C65-9EBF-7326E92AE989}"/>
-              </a:ext>
-            </a:extLst>
-          </p:cNvPr>
+          <p:cNvPr id="4" name="文本占位符 3"/>
           <p:cNvSpPr>
             <a:spLocks noGrp="1"/>
           </p:cNvSpPr>
           <p:nvPr>
-            <p:ph type="body" sz="half" idx="2"/>
+            <p:ph type="body" sz="half" idx="2" hasCustomPrompt="1"/>
           </p:nvPr>
         </p:nvSpPr>
         <p:spPr>
@@ -2354,13 +2030,7 @@
       </p:sp>
       <p:sp>
         <p:nvSpPr>
-          <p:cNvPr id="5" name="日期占位符 4">
-            <a:extLst>
-              <a:ext uri="{FF2B5EF4-FFF2-40B4-BE49-F238E27FC236}">
-                <a16:creationId xmlns:a16="http://schemas.microsoft.com/office/drawing/2014/main" id="{C953F1CD-2506-4FF7-BC19-3340EC6B7370}"/>
-              </a:ext>
-            </a:extLst>
-          </p:cNvPr>
+          <p:cNvPr id="5" name="日期占位符 4"/>
           <p:cNvSpPr>
             <a:spLocks noGrp="1"/>
           </p:cNvSpPr>
@@ -2375,7 +2045,6 @@
           <a:p>
             <a:fld id="{868B5A6A-0F3A-4FC6-8AEE-D020EB1976BB}" type="datetimeFigureOut">
               <a:rPr lang="zh-CN" altLang="en-US" smtClean="0"/>
-              <a:t>2018/6/7</a:t>
             </a:fld>
             <a:endParaRPr lang="zh-CN" altLang="en-US"/>
           </a:p>
@@ -2383,13 +2052,7 @@
       </p:sp>
       <p:sp>
         <p:nvSpPr>
-          <p:cNvPr id="6" name="页脚占位符 5">
-            <a:extLst>
-              <a:ext uri="{FF2B5EF4-FFF2-40B4-BE49-F238E27FC236}">
-                <a16:creationId xmlns:a16="http://schemas.microsoft.com/office/drawing/2014/main" id="{4997D885-D336-4E0E-9255-FAB73CC3066A}"/>
-              </a:ext>
-            </a:extLst>
-          </p:cNvPr>
+          <p:cNvPr id="6" name="页脚占位符 5"/>
           <p:cNvSpPr>
             <a:spLocks noGrp="1"/>
           </p:cNvSpPr>
@@ -2408,13 +2071,7 @@
       </p:sp>
       <p:sp>
         <p:nvSpPr>
-          <p:cNvPr id="7" name="灯片编号占位符 6">
-            <a:extLst>
-              <a:ext uri="{FF2B5EF4-FFF2-40B4-BE49-F238E27FC236}">
-                <a16:creationId xmlns:a16="http://schemas.microsoft.com/office/drawing/2014/main" id="{BA9C8074-7CEF-4F86-9B59-E634E19221BE}"/>
-              </a:ext>
-            </a:extLst>
-          </p:cNvPr>
+          <p:cNvPr id="7" name="灯片编号占位符 6"/>
           <p:cNvSpPr>
             <a:spLocks noGrp="1"/>
           </p:cNvSpPr>
@@ -2429,18 +2086,12 @@
           <a:p>
             <a:fld id="{A7A99B74-E500-474A-AE6C-3786F7421360}" type="slidenum">
               <a:rPr lang="zh-CN" altLang="en-US" smtClean="0"/>
-              <a:t>‹#›</a:t>
             </a:fld>
             <a:endParaRPr lang="zh-CN" altLang="en-US"/>
           </a:p>
         </p:txBody>
       </p:sp>
     </p:spTree>
-    <p:extLst>
-      <p:ext uri="{BB962C8B-B14F-4D97-AF65-F5344CB8AC3E}">
-        <p14:creationId xmlns:p14="http://schemas.microsoft.com/office/powerpoint/2010/main" val="3734624555"/>
-      </p:ext>
-    </p:extLst>
   </p:cSld>
   <p:clrMapOvr>
     <a:masterClrMapping/>
@@ -2467,18 +2118,12 @@
       </p:grpSpPr>
       <p:sp>
         <p:nvSpPr>
-          <p:cNvPr id="2" name="标题 1">
-            <a:extLst>
-              <a:ext uri="{FF2B5EF4-FFF2-40B4-BE49-F238E27FC236}">
-                <a16:creationId xmlns:a16="http://schemas.microsoft.com/office/drawing/2014/main" id="{13995504-A5DA-473E-BDB0-44AA234EE1D7}"/>
-              </a:ext>
-            </a:extLst>
-          </p:cNvPr>
+          <p:cNvPr id="2" name="标题 1"/>
           <p:cNvSpPr>
             <a:spLocks noGrp="1"/>
           </p:cNvSpPr>
           <p:nvPr>
-            <p:ph type="title"/>
+            <p:ph type="title" hasCustomPrompt="1"/>
           </p:nvPr>
         </p:nvSpPr>
         <p:spPr>
@@ -2504,13 +2149,7 @@
       </p:sp>
       <p:sp>
         <p:nvSpPr>
-          <p:cNvPr id="3" name="图片占位符 2">
-            <a:extLst>
-              <a:ext uri="{FF2B5EF4-FFF2-40B4-BE49-F238E27FC236}">
-                <a16:creationId xmlns:a16="http://schemas.microsoft.com/office/drawing/2014/main" id="{F0B53E4A-0295-41D8-B5C3-0C8364B04C86}"/>
-              </a:ext>
-            </a:extLst>
-          </p:cNvPr>
+          <p:cNvPr id="3" name="图片占位符 2"/>
           <p:cNvSpPr>
             <a:spLocks noGrp="1"/>
           </p:cNvSpPr>
@@ -2571,18 +2210,12 @@
       </p:sp>
       <p:sp>
         <p:nvSpPr>
-          <p:cNvPr id="4" name="文本占位符 3">
-            <a:extLst>
-              <a:ext uri="{FF2B5EF4-FFF2-40B4-BE49-F238E27FC236}">
-                <a16:creationId xmlns:a16="http://schemas.microsoft.com/office/drawing/2014/main" id="{6DBED63A-960C-4CE3-B2DD-925962EA6B0C}"/>
-              </a:ext>
-            </a:extLst>
-          </p:cNvPr>
+          <p:cNvPr id="4" name="文本占位符 3"/>
           <p:cNvSpPr>
             <a:spLocks noGrp="1"/>
           </p:cNvSpPr>
           <p:nvPr>
-            <p:ph type="body" sz="half" idx="2"/>
+            <p:ph type="body" sz="half" idx="2" hasCustomPrompt="1"/>
           </p:nvPr>
         </p:nvSpPr>
         <p:spPr>
@@ -2642,13 +2275,7 @@
       </p:sp>
       <p:sp>
         <p:nvSpPr>
-          <p:cNvPr id="5" name="日期占位符 4">
-            <a:extLst>
-              <a:ext uri="{FF2B5EF4-FFF2-40B4-BE49-F238E27FC236}">
-                <a16:creationId xmlns:a16="http://schemas.microsoft.com/office/drawing/2014/main" id="{57C7DEF5-D845-4506-AA2B-CF37675626E9}"/>
-              </a:ext>
-            </a:extLst>
-          </p:cNvPr>
+          <p:cNvPr id="5" name="日期占位符 4"/>
           <p:cNvSpPr>
             <a:spLocks noGrp="1"/>
           </p:cNvSpPr>
@@ -2663,7 +2290,6 @@
           <a:p>
             <a:fld id="{868B5A6A-0F3A-4FC6-8AEE-D020EB1976BB}" type="datetimeFigureOut">
               <a:rPr lang="zh-CN" altLang="en-US" smtClean="0"/>
-              <a:t>2018/6/7</a:t>
             </a:fld>
             <a:endParaRPr lang="zh-CN" altLang="en-US"/>
           </a:p>
@@ -2671,13 +2297,7 @@
       </p:sp>
       <p:sp>
         <p:nvSpPr>
-          <p:cNvPr id="6" name="页脚占位符 5">
-            <a:extLst>
-              <a:ext uri="{FF2B5EF4-FFF2-40B4-BE49-F238E27FC236}">
-                <a16:creationId xmlns:a16="http://schemas.microsoft.com/office/drawing/2014/main" id="{C6CE874D-CF67-4E1B-8216-535BD71508A7}"/>
-              </a:ext>
-            </a:extLst>
-          </p:cNvPr>
+          <p:cNvPr id="6" name="页脚占位符 5"/>
           <p:cNvSpPr>
             <a:spLocks noGrp="1"/>
           </p:cNvSpPr>
@@ -2696,13 +2316,7 @@
       </p:sp>
       <p:sp>
         <p:nvSpPr>
-          <p:cNvPr id="7" name="灯片编号占位符 6">
-            <a:extLst>
-              <a:ext uri="{FF2B5EF4-FFF2-40B4-BE49-F238E27FC236}">
-                <a16:creationId xmlns:a16="http://schemas.microsoft.com/office/drawing/2014/main" id="{EEDC74D9-8A49-4EEC-9C93-BFCD3C0D72AD}"/>
-              </a:ext>
-            </a:extLst>
-          </p:cNvPr>
+          <p:cNvPr id="7" name="灯片编号占位符 6"/>
           <p:cNvSpPr>
             <a:spLocks noGrp="1"/>
           </p:cNvSpPr>
@@ -2717,18 +2331,12 @@
           <a:p>
             <a:fld id="{A7A99B74-E500-474A-AE6C-3786F7421360}" type="slidenum">
               <a:rPr lang="zh-CN" altLang="en-US" smtClean="0"/>
-              <a:t>‹#›</a:t>
             </a:fld>
             <a:endParaRPr lang="zh-CN" altLang="en-US"/>
           </a:p>
         </p:txBody>
       </p:sp>
     </p:spTree>
-    <p:extLst>
-      <p:ext uri="{BB962C8B-B14F-4D97-AF65-F5344CB8AC3E}">
-        <p14:creationId xmlns:p14="http://schemas.microsoft.com/office/powerpoint/2010/main" val="294674655"/>
-      </p:ext>
-    </p:extLst>
   </p:cSld>
   <p:clrMapOvr>
     <a:masterClrMapping/>
@@ -2760,13 +2368,7 @@
       </p:grpSpPr>
       <p:sp>
         <p:nvSpPr>
-          <p:cNvPr id="2" name="标题占位符 1">
-            <a:extLst>
-              <a:ext uri="{FF2B5EF4-FFF2-40B4-BE49-F238E27FC236}">
-                <a16:creationId xmlns:a16="http://schemas.microsoft.com/office/drawing/2014/main" id="{BF24D453-9F6E-4BF5-97BB-99F59DE5BA5A}"/>
-              </a:ext>
-            </a:extLst>
-          </p:cNvPr>
+          <p:cNvPr id="2" name="标题占位符 1"/>
           <p:cNvSpPr>
             <a:spLocks noGrp="1"/>
           </p:cNvSpPr>
@@ -2798,13 +2400,7 @@
       </p:sp>
       <p:sp>
         <p:nvSpPr>
-          <p:cNvPr id="3" name="文本占位符 2">
-            <a:extLst>
-              <a:ext uri="{FF2B5EF4-FFF2-40B4-BE49-F238E27FC236}">
-                <a16:creationId xmlns:a16="http://schemas.microsoft.com/office/drawing/2014/main" id="{CE05DFCA-C285-4FE4-AD00-2B0B41566D40}"/>
-              </a:ext>
-            </a:extLst>
-          </p:cNvPr>
+          <p:cNvPr id="3" name="文本占位符 2"/>
           <p:cNvSpPr>
             <a:spLocks noGrp="1"/>
           </p:cNvSpPr>
@@ -2832,6 +2428,7 @@
               <a:rPr lang="zh-CN" altLang="en-US"/>
               <a:t>编辑母版文本样式</a:t>
             </a:r>
+            <a:endParaRPr lang="zh-CN" altLang="en-US"/>
           </a:p>
           <a:p>
             <a:pPr lvl="1"/>
@@ -2839,6 +2436,7 @@
               <a:rPr lang="zh-CN" altLang="en-US"/>
               <a:t>第二级</a:t>
             </a:r>
+            <a:endParaRPr lang="zh-CN" altLang="en-US"/>
           </a:p>
           <a:p>
             <a:pPr lvl="2"/>
@@ -2846,6 +2444,7 @@
               <a:rPr lang="zh-CN" altLang="en-US"/>
               <a:t>第三级</a:t>
             </a:r>
+            <a:endParaRPr lang="zh-CN" altLang="en-US"/>
           </a:p>
           <a:p>
             <a:pPr lvl="3"/>
@@ -2853,6 +2452,7 @@
               <a:rPr lang="zh-CN" altLang="en-US"/>
               <a:t>第四级</a:t>
             </a:r>
+            <a:endParaRPr lang="zh-CN" altLang="en-US"/>
           </a:p>
           <a:p>
             <a:pPr lvl="4"/>
@@ -2865,13 +2465,7 @@
       </p:sp>
       <p:sp>
         <p:nvSpPr>
-          <p:cNvPr id="4" name="日期占位符 3">
-            <a:extLst>
-              <a:ext uri="{FF2B5EF4-FFF2-40B4-BE49-F238E27FC236}">
-                <a16:creationId xmlns:a16="http://schemas.microsoft.com/office/drawing/2014/main" id="{91949305-1E8F-4C92-BBD7-AAB2FDCAE817}"/>
-              </a:ext>
-            </a:extLst>
-          </p:cNvPr>
+          <p:cNvPr id="4" name="日期占位符 3"/>
           <p:cNvSpPr>
             <a:spLocks noGrp="1"/>
           </p:cNvSpPr>
@@ -2904,7 +2498,6 @@
           <a:p>
             <a:fld id="{868B5A6A-0F3A-4FC6-8AEE-D020EB1976BB}" type="datetimeFigureOut">
               <a:rPr lang="zh-CN" altLang="en-US" smtClean="0"/>
-              <a:t>2018/6/7</a:t>
             </a:fld>
             <a:endParaRPr lang="zh-CN" altLang="en-US"/>
           </a:p>
@@ -2912,13 +2505,7 @@
       </p:sp>
       <p:sp>
         <p:nvSpPr>
-          <p:cNvPr id="5" name="页脚占位符 4">
-            <a:extLst>
-              <a:ext uri="{FF2B5EF4-FFF2-40B4-BE49-F238E27FC236}">
-                <a16:creationId xmlns:a16="http://schemas.microsoft.com/office/drawing/2014/main" id="{BD57E43F-DCA4-490A-A1F0-96A38CFA74AE}"/>
-              </a:ext>
-            </a:extLst>
-          </p:cNvPr>
+          <p:cNvPr id="5" name="页脚占位符 4"/>
           <p:cNvSpPr>
             <a:spLocks noGrp="1"/>
           </p:cNvSpPr>
@@ -2955,13 +2542,7 @@
       </p:sp>
       <p:sp>
         <p:nvSpPr>
-          <p:cNvPr id="6" name="灯片编号占位符 5">
-            <a:extLst>
-              <a:ext uri="{FF2B5EF4-FFF2-40B4-BE49-F238E27FC236}">
-                <a16:creationId xmlns:a16="http://schemas.microsoft.com/office/drawing/2014/main" id="{BF6DD0F4-EB13-47F0-A48F-59C86625E93A}"/>
-              </a:ext>
-            </a:extLst>
-          </p:cNvPr>
+          <p:cNvPr id="6" name="灯片编号占位符 5"/>
           <p:cNvSpPr>
             <a:spLocks noGrp="1"/>
           </p:cNvSpPr>
@@ -2994,18 +2575,12 @@
           <a:p>
             <a:fld id="{A7A99B74-E500-474A-AE6C-3786F7421360}" type="slidenum">
               <a:rPr lang="zh-CN" altLang="en-US" smtClean="0"/>
-              <a:t>‹#›</a:t>
             </a:fld>
             <a:endParaRPr lang="zh-CN" altLang="en-US"/>
           </a:p>
         </p:txBody>
       </p:sp>
     </p:spTree>
-    <p:extLst>
-      <p:ext uri="{BB962C8B-B14F-4D97-AF65-F5344CB8AC3E}">
-        <p14:creationId xmlns:p14="http://schemas.microsoft.com/office/powerpoint/2010/main" val="3691911113"/>
-      </p:ext>
-    </p:extLst>
   </p:cSld>
   <p:clrMap bg1="lt1" tx1="dk1" bg2="lt2" tx2="dk2" accent1="accent1" accent2="accent2" accent3="accent3" accent4="accent4" accent5="accent5" accent6="accent6" hlink="hlink" folHlink="folHlink"/>
   <p:sldLayoutIdLst>
@@ -3049,7 +2624,7 @@
         <a:spcBef>
           <a:spcPts val="1000"/>
         </a:spcBef>
-        <a:buFont typeface="Arial" panose="020B0604020202020204" pitchFamily="34" charset="0"/>
+        <a:buFont typeface="Arial" panose="02080604020202020204" charset="0"/>
         <a:buChar char="•"/>
         <a:defRPr sz="2800" kern="1200">
           <a:solidFill>
@@ -3067,7 +2642,7 @@
         <a:spcBef>
           <a:spcPts val="500"/>
         </a:spcBef>
-        <a:buFont typeface="Arial" panose="020B0604020202020204" pitchFamily="34" charset="0"/>
+        <a:buFont typeface="Arial" panose="02080604020202020204" charset="0"/>
         <a:buChar char="•"/>
         <a:defRPr sz="2400" kern="1200">
           <a:solidFill>
@@ -3085,7 +2660,7 @@
         <a:spcBef>
           <a:spcPts val="500"/>
         </a:spcBef>
-        <a:buFont typeface="Arial" panose="020B0604020202020204" pitchFamily="34" charset="0"/>
+        <a:buFont typeface="Arial" panose="02080604020202020204" charset="0"/>
         <a:buChar char="•"/>
         <a:defRPr sz="2000" kern="1200">
           <a:solidFill>
@@ -3103,7 +2678,7 @@
         <a:spcBef>
           <a:spcPts val="500"/>
         </a:spcBef>
-        <a:buFont typeface="Arial" panose="020B0604020202020204" pitchFamily="34" charset="0"/>
+        <a:buFont typeface="Arial" panose="02080604020202020204" charset="0"/>
         <a:buChar char="•"/>
         <a:defRPr sz="1800" kern="1200">
           <a:solidFill>
@@ -3121,7 +2696,7 @@
         <a:spcBef>
           <a:spcPts val="500"/>
         </a:spcBef>
-        <a:buFont typeface="Arial" panose="020B0604020202020204" pitchFamily="34" charset="0"/>
+        <a:buFont typeface="Arial" panose="02080604020202020204" charset="0"/>
         <a:buChar char="•"/>
         <a:defRPr sz="1800" kern="1200">
           <a:solidFill>
@@ -3139,7 +2714,7 @@
         <a:spcBef>
           <a:spcPts val="500"/>
         </a:spcBef>
-        <a:buFont typeface="Arial" panose="020B0604020202020204" pitchFamily="34" charset="0"/>
+        <a:buFont typeface="Arial" panose="02080604020202020204" charset="0"/>
         <a:buChar char="•"/>
         <a:defRPr sz="1800" kern="1200">
           <a:solidFill>
@@ -3157,7 +2732,7 @@
         <a:spcBef>
           <a:spcPts val="500"/>
         </a:spcBef>
-        <a:buFont typeface="Arial" panose="020B0604020202020204" pitchFamily="34" charset="0"/>
+        <a:buFont typeface="Arial" panose="02080604020202020204" charset="0"/>
         <a:buChar char="•"/>
         <a:defRPr sz="1800" kern="1200">
           <a:solidFill>
@@ -3175,7 +2750,7 @@
         <a:spcBef>
           <a:spcPts val="500"/>
         </a:spcBef>
-        <a:buFont typeface="Arial" panose="020B0604020202020204" pitchFamily="34" charset="0"/>
+        <a:buFont typeface="Arial" panose="02080604020202020204" charset="0"/>
         <a:buChar char="•"/>
         <a:defRPr sz="1800" kern="1200">
           <a:solidFill>
@@ -3193,7 +2768,7 @@
         <a:spcBef>
           <a:spcPts val="500"/>
         </a:spcBef>
-        <a:buFont typeface="Arial" panose="020B0604020202020204" pitchFamily="34" charset="0"/>
+        <a:buFont typeface="Arial" panose="02080604020202020204" charset="0"/>
         <a:buChar char="•"/>
         <a:defRPr sz="1800" kern="1200">
           <a:solidFill>
@@ -3323,13 +2898,7 @@
       </p:grpSpPr>
       <p:grpSp>
         <p:nvGrpSpPr>
-          <p:cNvPr id="12" name="组合 11">
-            <a:extLst>
-              <a:ext uri="{FF2B5EF4-FFF2-40B4-BE49-F238E27FC236}">
-                <a16:creationId xmlns:a16="http://schemas.microsoft.com/office/drawing/2014/main" id="{620F0770-045F-4EEB-B7E8-58E921FEC300}"/>
-              </a:ext>
-            </a:extLst>
-          </p:cNvPr>
+          <p:cNvPr id="12" name="组合 11"/>
           <p:cNvGrpSpPr/>
           <p:nvPr/>
         </p:nvGrpSpPr>
@@ -3343,13 +2912,7 @@
         </p:grpSpPr>
         <p:sp>
           <p:nvSpPr>
-            <p:cNvPr id="4" name="矩形 3">
-              <a:extLst>
-                <a:ext uri="{FF2B5EF4-FFF2-40B4-BE49-F238E27FC236}">
-                  <a16:creationId xmlns:a16="http://schemas.microsoft.com/office/drawing/2014/main" id="{C3F58C96-0B0C-42E1-BA19-28638745B202}"/>
-                </a:ext>
-              </a:extLst>
-            </p:cNvPr>
+            <p:cNvPr id="4" name="矩形 3"/>
             <p:cNvSpPr/>
             <p:nvPr/>
           </p:nvSpPr>
@@ -3392,13 +2955,7 @@
         </p:sp>
         <p:sp>
           <p:nvSpPr>
-            <p:cNvPr id="5" name="矩形 4">
-              <a:extLst>
-                <a:ext uri="{FF2B5EF4-FFF2-40B4-BE49-F238E27FC236}">
-                  <a16:creationId xmlns:a16="http://schemas.microsoft.com/office/drawing/2014/main" id="{9C72E4CD-73BE-4407-9813-C4564BA31668}"/>
-                </a:ext>
-              </a:extLst>
-            </p:cNvPr>
+            <p:cNvPr id="5" name="矩形 4"/>
             <p:cNvSpPr/>
             <p:nvPr/>
           </p:nvSpPr>
@@ -3441,13 +2998,7 @@
         </p:sp>
         <p:sp>
           <p:nvSpPr>
-            <p:cNvPr id="6" name="矩形 5">
-              <a:extLst>
-                <a:ext uri="{FF2B5EF4-FFF2-40B4-BE49-F238E27FC236}">
-                  <a16:creationId xmlns:a16="http://schemas.microsoft.com/office/drawing/2014/main" id="{0AED283C-26C4-4A8C-8976-E80B7D6CEB51}"/>
-                </a:ext>
-              </a:extLst>
-            </p:cNvPr>
+            <p:cNvPr id="6" name="矩形 5"/>
             <p:cNvSpPr/>
             <p:nvPr/>
           </p:nvSpPr>
@@ -3490,13 +3041,7 @@
         </p:sp>
         <p:sp>
           <p:nvSpPr>
-            <p:cNvPr id="7" name="矩形 6">
-              <a:extLst>
-                <a:ext uri="{FF2B5EF4-FFF2-40B4-BE49-F238E27FC236}">
-                  <a16:creationId xmlns:a16="http://schemas.microsoft.com/office/drawing/2014/main" id="{7A0B36B6-BC03-4923-9E50-0DC62A580E55}"/>
-                </a:ext>
-              </a:extLst>
-            </p:cNvPr>
+            <p:cNvPr id="7" name="矩形 6"/>
             <p:cNvSpPr/>
             <p:nvPr/>
           </p:nvSpPr>
@@ -3539,13 +3084,7 @@
         </p:sp>
         <p:sp>
           <p:nvSpPr>
-            <p:cNvPr id="8" name="矩形 7">
-              <a:extLst>
-                <a:ext uri="{FF2B5EF4-FFF2-40B4-BE49-F238E27FC236}">
-                  <a16:creationId xmlns:a16="http://schemas.microsoft.com/office/drawing/2014/main" id="{29E00B31-E3DA-4070-996E-DD4D97E1B5B1}"/>
-                </a:ext>
-              </a:extLst>
-            </p:cNvPr>
+            <p:cNvPr id="8" name="矩形 7"/>
             <p:cNvSpPr/>
             <p:nvPr/>
           </p:nvSpPr>
@@ -3588,13 +3127,7 @@
         </p:sp>
         <p:sp>
           <p:nvSpPr>
-            <p:cNvPr id="9" name="矩形 8">
-              <a:extLst>
-                <a:ext uri="{FF2B5EF4-FFF2-40B4-BE49-F238E27FC236}">
-                  <a16:creationId xmlns:a16="http://schemas.microsoft.com/office/drawing/2014/main" id="{5A80F865-3F31-42BC-9AF5-9EE8B80E1C17}"/>
-                </a:ext>
-              </a:extLst>
-            </p:cNvPr>
+            <p:cNvPr id="9" name="矩形 8"/>
             <p:cNvSpPr/>
             <p:nvPr/>
           </p:nvSpPr>
@@ -3637,13 +3170,7 @@
         </p:sp>
         <p:sp>
           <p:nvSpPr>
-            <p:cNvPr id="10" name="矩形 9">
-              <a:extLst>
-                <a:ext uri="{FF2B5EF4-FFF2-40B4-BE49-F238E27FC236}">
-                  <a16:creationId xmlns:a16="http://schemas.microsoft.com/office/drawing/2014/main" id="{0DB26C50-6EAE-4D96-A601-49BF7DEFD3B5}"/>
-                </a:ext>
-              </a:extLst>
-            </p:cNvPr>
+            <p:cNvPr id="10" name="矩形 9"/>
             <p:cNvSpPr/>
             <p:nvPr/>
           </p:nvSpPr>
@@ -3687,13 +3214,7 @@
       </p:grpSp>
       <p:grpSp>
         <p:nvGrpSpPr>
-          <p:cNvPr id="13" name="组合 12">
-            <a:extLst>
-              <a:ext uri="{FF2B5EF4-FFF2-40B4-BE49-F238E27FC236}">
-                <a16:creationId xmlns:a16="http://schemas.microsoft.com/office/drawing/2014/main" id="{06A238A9-FABC-433E-B778-F74E9EEB3A4E}"/>
-              </a:ext>
-            </a:extLst>
-          </p:cNvPr>
+          <p:cNvPr id="13" name="组合 12"/>
           <p:cNvGrpSpPr/>
           <p:nvPr/>
         </p:nvGrpSpPr>
@@ -3707,13 +3228,7 @@
         </p:grpSpPr>
         <p:sp>
           <p:nvSpPr>
-            <p:cNvPr id="14" name="矩形 13">
-              <a:extLst>
-                <a:ext uri="{FF2B5EF4-FFF2-40B4-BE49-F238E27FC236}">
-                  <a16:creationId xmlns:a16="http://schemas.microsoft.com/office/drawing/2014/main" id="{091D90D1-7E6F-414A-BF49-3F8E8918F6A0}"/>
-                </a:ext>
-              </a:extLst>
-            </p:cNvPr>
+            <p:cNvPr id="14" name="矩形 13"/>
             <p:cNvSpPr/>
             <p:nvPr/>
           </p:nvSpPr>
@@ -3756,13 +3271,7 @@
         </p:sp>
         <p:sp>
           <p:nvSpPr>
-            <p:cNvPr id="15" name="矩形 14">
-              <a:extLst>
-                <a:ext uri="{FF2B5EF4-FFF2-40B4-BE49-F238E27FC236}">
-                  <a16:creationId xmlns:a16="http://schemas.microsoft.com/office/drawing/2014/main" id="{7B70EC86-34ED-4A97-AE71-0B4BAADCB511}"/>
-                </a:ext>
-              </a:extLst>
-            </p:cNvPr>
+            <p:cNvPr id="15" name="矩形 14"/>
             <p:cNvSpPr/>
             <p:nvPr/>
           </p:nvSpPr>
@@ -3805,13 +3314,7 @@
         </p:sp>
         <p:sp>
           <p:nvSpPr>
-            <p:cNvPr id="16" name="矩形 15">
-              <a:extLst>
-                <a:ext uri="{FF2B5EF4-FFF2-40B4-BE49-F238E27FC236}">
-                  <a16:creationId xmlns:a16="http://schemas.microsoft.com/office/drawing/2014/main" id="{50470781-FEEB-4633-B04A-DEA3DE4AC014}"/>
-                </a:ext>
-              </a:extLst>
-            </p:cNvPr>
+            <p:cNvPr id="16" name="矩形 15"/>
             <p:cNvSpPr/>
             <p:nvPr/>
           </p:nvSpPr>
@@ -3854,13 +3357,7 @@
         </p:sp>
         <p:sp>
           <p:nvSpPr>
-            <p:cNvPr id="17" name="矩形 16">
-              <a:extLst>
-                <a:ext uri="{FF2B5EF4-FFF2-40B4-BE49-F238E27FC236}">
-                  <a16:creationId xmlns:a16="http://schemas.microsoft.com/office/drawing/2014/main" id="{11C122B2-A9DA-4EC4-BD5F-40ADC542E7A6}"/>
-                </a:ext>
-              </a:extLst>
-            </p:cNvPr>
+            <p:cNvPr id="17" name="矩形 16"/>
             <p:cNvSpPr/>
             <p:nvPr/>
           </p:nvSpPr>
@@ -3903,13 +3400,7 @@
         </p:sp>
         <p:sp>
           <p:nvSpPr>
-            <p:cNvPr id="18" name="矩形 17">
-              <a:extLst>
-                <a:ext uri="{FF2B5EF4-FFF2-40B4-BE49-F238E27FC236}">
-                  <a16:creationId xmlns:a16="http://schemas.microsoft.com/office/drawing/2014/main" id="{D8FB14E7-7425-476C-9F9C-2727FBAA922C}"/>
-                </a:ext>
-              </a:extLst>
-            </p:cNvPr>
+            <p:cNvPr id="18" name="矩形 17"/>
             <p:cNvSpPr/>
             <p:nvPr/>
           </p:nvSpPr>
@@ -3952,13 +3443,7 @@
         </p:sp>
         <p:sp>
           <p:nvSpPr>
-            <p:cNvPr id="19" name="矩形 18">
-              <a:extLst>
-                <a:ext uri="{FF2B5EF4-FFF2-40B4-BE49-F238E27FC236}">
-                  <a16:creationId xmlns:a16="http://schemas.microsoft.com/office/drawing/2014/main" id="{721E8BDB-F7AC-49B4-9637-07292A6E46B7}"/>
-                </a:ext>
-              </a:extLst>
-            </p:cNvPr>
+            <p:cNvPr id="19" name="矩形 18"/>
             <p:cNvSpPr/>
             <p:nvPr/>
           </p:nvSpPr>
@@ -4001,13 +3486,7 @@
         </p:sp>
         <p:sp>
           <p:nvSpPr>
-            <p:cNvPr id="20" name="矩形 19">
-              <a:extLst>
-                <a:ext uri="{FF2B5EF4-FFF2-40B4-BE49-F238E27FC236}">
-                  <a16:creationId xmlns:a16="http://schemas.microsoft.com/office/drawing/2014/main" id="{2E4B7B94-1ACC-4475-B08E-47B0D8AB2DD7}"/>
-                </a:ext>
-              </a:extLst>
-            </p:cNvPr>
+            <p:cNvPr id="20" name="矩形 19"/>
             <p:cNvSpPr/>
             <p:nvPr/>
           </p:nvSpPr>
@@ -4051,13 +3530,7 @@
       </p:grpSp>
       <p:grpSp>
         <p:nvGrpSpPr>
-          <p:cNvPr id="21" name="组合 20">
-            <a:extLst>
-              <a:ext uri="{FF2B5EF4-FFF2-40B4-BE49-F238E27FC236}">
-                <a16:creationId xmlns:a16="http://schemas.microsoft.com/office/drawing/2014/main" id="{30B5B6DA-23ED-4CD0-8666-AA9709DAD135}"/>
-              </a:ext>
-            </a:extLst>
-          </p:cNvPr>
+          <p:cNvPr id="21" name="组合 20"/>
           <p:cNvGrpSpPr/>
           <p:nvPr/>
         </p:nvGrpSpPr>
@@ -4071,13 +3544,7 @@
         </p:grpSpPr>
         <p:sp>
           <p:nvSpPr>
-            <p:cNvPr id="22" name="矩形 21">
-              <a:extLst>
-                <a:ext uri="{FF2B5EF4-FFF2-40B4-BE49-F238E27FC236}">
-                  <a16:creationId xmlns:a16="http://schemas.microsoft.com/office/drawing/2014/main" id="{03B707DF-E1B4-4EDA-9FF4-6F3E5D57D2A5}"/>
-                </a:ext>
-              </a:extLst>
-            </p:cNvPr>
+            <p:cNvPr id="22" name="矩形 21"/>
             <p:cNvSpPr/>
             <p:nvPr/>
           </p:nvSpPr>
@@ -4120,13 +3587,7 @@
         </p:sp>
         <p:sp>
           <p:nvSpPr>
-            <p:cNvPr id="23" name="矩形 22">
-              <a:extLst>
-                <a:ext uri="{FF2B5EF4-FFF2-40B4-BE49-F238E27FC236}">
-                  <a16:creationId xmlns:a16="http://schemas.microsoft.com/office/drawing/2014/main" id="{C00F449A-1D70-4174-92F3-EC735324F405}"/>
-                </a:ext>
-              </a:extLst>
-            </p:cNvPr>
+            <p:cNvPr id="23" name="矩形 22"/>
             <p:cNvSpPr/>
             <p:nvPr/>
           </p:nvSpPr>
@@ -4169,13 +3630,7 @@
         </p:sp>
         <p:sp>
           <p:nvSpPr>
-            <p:cNvPr id="24" name="矩形 23">
-              <a:extLst>
-                <a:ext uri="{FF2B5EF4-FFF2-40B4-BE49-F238E27FC236}">
-                  <a16:creationId xmlns:a16="http://schemas.microsoft.com/office/drawing/2014/main" id="{8ED9F17B-35B2-4A78-BAB0-FC8C092DA036}"/>
-                </a:ext>
-              </a:extLst>
-            </p:cNvPr>
+            <p:cNvPr id="24" name="矩形 23"/>
             <p:cNvSpPr/>
             <p:nvPr/>
           </p:nvSpPr>
@@ -4218,13 +3673,7 @@
         </p:sp>
         <p:sp>
           <p:nvSpPr>
-            <p:cNvPr id="25" name="矩形 24">
-              <a:extLst>
-                <a:ext uri="{FF2B5EF4-FFF2-40B4-BE49-F238E27FC236}">
-                  <a16:creationId xmlns:a16="http://schemas.microsoft.com/office/drawing/2014/main" id="{3B3828C3-3807-4444-B9AD-85613F7E6E02}"/>
-                </a:ext>
-              </a:extLst>
-            </p:cNvPr>
+            <p:cNvPr id="25" name="矩形 24"/>
             <p:cNvSpPr/>
             <p:nvPr/>
           </p:nvSpPr>
@@ -4267,13 +3716,7 @@
         </p:sp>
         <p:sp>
           <p:nvSpPr>
-            <p:cNvPr id="26" name="矩形 25">
-              <a:extLst>
-                <a:ext uri="{FF2B5EF4-FFF2-40B4-BE49-F238E27FC236}">
-                  <a16:creationId xmlns:a16="http://schemas.microsoft.com/office/drawing/2014/main" id="{5309B8FD-B675-4152-8929-69102D7E19C3}"/>
-                </a:ext>
-              </a:extLst>
-            </p:cNvPr>
+            <p:cNvPr id="26" name="矩形 25"/>
             <p:cNvSpPr/>
             <p:nvPr/>
           </p:nvSpPr>
@@ -4316,13 +3759,7 @@
         </p:sp>
         <p:sp>
           <p:nvSpPr>
-            <p:cNvPr id="27" name="矩形 26">
-              <a:extLst>
-                <a:ext uri="{FF2B5EF4-FFF2-40B4-BE49-F238E27FC236}">
-                  <a16:creationId xmlns:a16="http://schemas.microsoft.com/office/drawing/2014/main" id="{FD0846FD-7D80-47E9-A084-85E78731E211}"/>
-                </a:ext>
-              </a:extLst>
-            </p:cNvPr>
+            <p:cNvPr id="27" name="矩形 26"/>
             <p:cNvSpPr/>
             <p:nvPr/>
           </p:nvSpPr>
@@ -4365,13 +3802,7 @@
         </p:sp>
         <p:sp>
           <p:nvSpPr>
-            <p:cNvPr id="28" name="矩形 27">
-              <a:extLst>
-                <a:ext uri="{FF2B5EF4-FFF2-40B4-BE49-F238E27FC236}">
-                  <a16:creationId xmlns:a16="http://schemas.microsoft.com/office/drawing/2014/main" id="{A3ADCA93-04FD-42CB-AD3A-309638E2FB86}"/>
-                </a:ext>
-              </a:extLst>
-            </p:cNvPr>
+            <p:cNvPr id="28" name="矩形 27"/>
             <p:cNvSpPr/>
             <p:nvPr/>
           </p:nvSpPr>
@@ -4415,13 +3846,7 @@
       </p:grpSp>
       <p:grpSp>
         <p:nvGrpSpPr>
-          <p:cNvPr id="29" name="组合 28">
-            <a:extLst>
-              <a:ext uri="{FF2B5EF4-FFF2-40B4-BE49-F238E27FC236}">
-                <a16:creationId xmlns:a16="http://schemas.microsoft.com/office/drawing/2014/main" id="{D42CC40C-DD0B-4036-B031-D42DAA148282}"/>
-              </a:ext>
-            </a:extLst>
-          </p:cNvPr>
+          <p:cNvPr id="29" name="组合 28"/>
           <p:cNvGrpSpPr/>
           <p:nvPr/>
         </p:nvGrpSpPr>
@@ -4435,13 +3860,7 @@
         </p:grpSpPr>
         <p:sp>
           <p:nvSpPr>
-            <p:cNvPr id="30" name="矩形 29">
-              <a:extLst>
-                <a:ext uri="{FF2B5EF4-FFF2-40B4-BE49-F238E27FC236}">
-                  <a16:creationId xmlns:a16="http://schemas.microsoft.com/office/drawing/2014/main" id="{53B78A23-5E31-4053-9A77-D65EA13DFF04}"/>
-                </a:ext>
-              </a:extLst>
-            </p:cNvPr>
+            <p:cNvPr id="30" name="矩形 29"/>
             <p:cNvSpPr/>
             <p:nvPr/>
           </p:nvSpPr>
@@ -4484,13 +3903,7 @@
         </p:sp>
         <p:sp>
           <p:nvSpPr>
-            <p:cNvPr id="31" name="矩形 30">
-              <a:extLst>
-                <a:ext uri="{FF2B5EF4-FFF2-40B4-BE49-F238E27FC236}">
-                  <a16:creationId xmlns:a16="http://schemas.microsoft.com/office/drawing/2014/main" id="{AEC6B323-F215-4065-B8C0-10C8CA4EB1DC}"/>
-                </a:ext>
-              </a:extLst>
-            </p:cNvPr>
+            <p:cNvPr id="31" name="矩形 30"/>
             <p:cNvSpPr/>
             <p:nvPr/>
           </p:nvSpPr>
@@ -4533,13 +3946,7 @@
         </p:sp>
         <p:sp>
           <p:nvSpPr>
-            <p:cNvPr id="32" name="矩形 31">
-              <a:extLst>
-                <a:ext uri="{FF2B5EF4-FFF2-40B4-BE49-F238E27FC236}">
-                  <a16:creationId xmlns:a16="http://schemas.microsoft.com/office/drawing/2014/main" id="{F928318A-FC45-477F-A413-BDDD1F734006}"/>
-                </a:ext>
-              </a:extLst>
-            </p:cNvPr>
+            <p:cNvPr id="32" name="矩形 31"/>
             <p:cNvSpPr/>
             <p:nvPr/>
           </p:nvSpPr>
@@ -4582,13 +3989,7 @@
         </p:sp>
         <p:sp>
           <p:nvSpPr>
-            <p:cNvPr id="33" name="矩形 32">
-              <a:extLst>
-                <a:ext uri="{FF2B5EF4-FFF2-40B4-BE49-F238E27FC236}">
-                  <a16:creationId xmlns:a16="http://schemas.microsoft.com/office/drawing/2014/main" id="{EBB5E56C-98EE-4DC6-A7D2-DEF03C3223D6}"/>
-                </a:ext>
-              </a:extLst>
-            </p:cNvPr>
+            <p:cNvPr id="33" name="矩形 32"/>
             <p:cNvSpPr/>
             <p:nvPr/>
           </p:nvSpPr>
@@ -4631,13 +4032,7 @@
         </p:sp>
         <p:sp>
           <p:nvSpPr>
-            <p:cNvPr id="34" name="矩形 33">
-              <a:extLst>
-                <a:ext uri="{FF2B5EF4-FFF2-40B4-BE49-F238E27FC236}">
-                  <a16:creationId xmlns:a16="http://schemas.microsoft.com/office/drawing/2014/main" id="{65CA3983-DD09-4E3E-8AB6-7AAAC2565595}"/>
-                </a:ext>
-              </a:extLst>
-            </p:cNvPr>
+            <p:cNvPr id="34" name="矩形 33"/>
             <p:cNvSpPr/>
             <p:nvPr/>
           </p:nvSpPr>
@@ -4680,13 +4075,7 @@
         </p:sp>
         <p:sp>
           <p:nvSpPr>
-            <p:cNvPr id="35" name="矩形 34">
-              <a:extLst>
-                <a:ext uri="{FF2B5EF4-FFF2-40B4-BE49-F238E27FC236}">
-                  <a16:creationId xmlns:a16="http://schemas.microsoft.com/office/drawing/2014/main" id="{CFEF045C-C7E0-4C6A-B946-381F74C34DB0}"/>
-                </a:ext>
-              </a:extLst>
-            </p:cNvPr>
+            <p:cNvPr id="35" name="矩形 34"/>
             <p:cNvSpPr/>
             <p:nvPr/>
           </p:nvSpPr>
@@ -4729,13 +4118,7 @@
         </p:sp>
         <p:sp>
           <p:nvSpPr>
-            <p:cNvPr id="36" name="矩形 35">
-              <a:extLst>
-                <a:ext uri="{FF2B5EF4-FFF2-40B4-BE49-F238E27FC236}">
-                  <a16:creationId xmlns:a16="http://schemas.microsoft.com/office/drawing/2014/main" id="{E503BD42-5754-44E8-A78F-D7734AE1542A}"/>
-                </a:ext>
-              </a:extLst>
-            </p:cNvPr>
+            <p:cNvPr id="36" name="矩形 35"/>
             <p:cNvSpPr/>
             <p:nvPr/>
           </p:nvSpPr>
@@ -4779,13 +4162,7 @@
       </p:grpSp>
       <p:grpSp>
         <p:nvGrpSpPr>
-          <p:cNvPr id="37" name="组合 36">
-            <a:extLst>
-              <a:ext uri="{FF2B5EF4-FFF2-40B4-BE49-F238E27FC236}">
-                <a16:creationId xmlns:a16="http://schemas.microsoft.com/office/drawing/2014/main" id="{5694C9AD-2C52-4AC3-BA2E-BA29BF330218}"/>
-              </a:ext>
-            </a:extLst>
-          </p:cNvPr>
+          <p:cNvPr id="37" name="组合 36"/>
           <p:cNvGrpSpPr/>
           <p:nvPr/>
         </p:nvGrpSpPr>
@@ -4799,13 +4176,7 @@
         </p:grpSpPr>
         <p:sp>
           <p:nvSpPr>
-            <p:cNvPr id="38" name="矩形 37">
-              <a:extLst>
-                <a:ext uri="{FF2B5EF4-FFF2-40B4-BE49-F238E27FC236}">
-                  <a16:creationId xmlns:a16="http://schemas.microsoft.com/office/drawing/2014/main" id="{EAE80636-1C47-45DC-8D0A-1E60C6CE3F98}"/>
-                </a:ext>
-              </a:extLst>
-            </p:cNvPr>
+            <p:cNvPr id="38" name="矩形 37"/>
             <p:cNvSpPr/>
             <p:nvPr/>
           </p:nvSpPr>
@@ -4848,13 +4219,7 @@
         </p:sp>
         <p:sp>
           <p:nvSpPr>
-            <p:cNvPr id="39" name="矩形 38">
-              <a:extLst>
-                <a:ext uri="{FF2B5EF4-FFF2-40B4-BE49-F238E27FC236}">
-                  <a16:creationId xmlns:a16="http://schemas.microsoft.com/office/drawing/2014/main" id="{869F311F-55A1-4AD3-A976-F106F0320D26}"/>
-                </a:ext>
-              </a:extLst>
-            </p:cNvPr>
+            <p:cNvPr id="39" name="矩形 38"/>
             <p:cNvSpPr/>
             <p:nvPr/>
           </p:nvSpPr>
@@ -4897,13 +4262,7 @@
         </p:sp>
         <p:sp>
           <p:nvSpPr>
-            <p:cNvPr id="40" name="矩形 39">
-              <a:extLst>
-                <a:ext uri="{FF2B5EF4-FFF2-40B4-BE49-F238E27FC236}">
-                  <a16:creationId xmlns:a16="http://schemas.microsoft.com/office/drawing/2014/main" id="{99F21F61-D727-4B5C-90C6-47AA902BE656}"/>
-                </a:ext>
-              </a:extLst>
-            </p:cNvPr>
+            <p:cNvPr id="40" name="矩形 39"/>
             <p:cNvSpPr/>
             <p:nvPr/>
           </p:nvSpPr>
@@ -4946,13 +4305,7 @@
         </p:sp>
         <p:sp>
           <p:nvSpPr>
-            <p:cNvPr id="41" name="矩形 40">
-              <a:extLst>
-                <a:ext uri="{FF2B5EF4-FFF2-40B4-BE49-F238E27FC236}">
-                  <a16:creationId xmlns:a16="http://schemas.microsoft.com/office/drawing/2014/main" id="{20B49E1A-B01C-4600-B74B-489E22E6AD06}"/>
-                </a:ext>
-              </a:extLst>
-            </p:cNvPr>
+            <p:cNvPr id="41" name="矩形 40"/>
             <p:cNvSpPr/>
             <p:nvPr/>
           </p:nvSpPr>
@@ -4995,13 +4348,7 @@
         </p:sp>
         <p:sp>
           <p:nvSpPr>
-            <p:cNvPr id="42" name="矩形 41">
-              <a:extLst>
-                <a:ext uri="{FF2B5EF4-FFF2-40B4-BE49-F238E27FC236}">
-                  <a16:creationId xmlns:a16="http://schemas.microsoft.com/office/drawing/2014/main" id="{97DDB4BE-BAA2-44C3-89E3-6101651FE9E2}"/>
-                </a:ext>
-              </a:extLst>
-            </p:cNvPr>
+            <p:cNvPr id="42" name="矩形 41"/>
             <p:cNvSpPr/>
             <p:nvPr/>
           </p:nvSpPr>
@@ -5044,13 +4391,7 @@
         </p:sp>
         <p:sp>
           <p:nvSpPr>
-            <p:cNvPr id="43" name="矩形 42">
-              <a:extLst>
-                <a:ext uri="{FF2B5EF4-FFF2-40B4-BE49-F238E27FC236}">
-                  <a16:creationId xmlns:a16="http://schemas.microsoft.com/office/drawing/2014/main" id="{554F263C-BB2A-4322-9675-EDD1AB3EA0FE}"/>
-                </a:ext>
-              </a:extLst>
-            </p:cNvPr>
+            <p:cNvPr id="43" name="矩形 42"/>
             <p:cNvSpPr/>
             <p:nvPr/>
           </p:nvSpPr>
@@ -5093,13 +4434,7 @@
         </p:sp>
         <p:sp>
           <p:nvSpPr>
-            <p:cNvPr id="44" name="矩形 43">
-              <a:extLst>
-                <a:ext uri="{FF2B5EF4-FFF2-40B4-BE49-F238E27FC236}">
-                  <a16:creationId xmlns:a16="http://schemas.microsoft.com/office/drawing/2014/main" id="{864DFA83-E8CF-4AFC-B193-D1E01A643D27}"/>
-                </a:ext>
-              </a:extLst>
-            </p:cNvPr>
+            <p:cNvPr id="44" name="矩形 43"/>
             <p:cNvSpPr/>
             <p:nvPr/>
           </p:nvSpPr>
@@ -5143,13 +4478,7 @@
       </p:grpSp>
       <p:grpSp>
         <p:nvGrpSpPr>
-          <p:cNvPr id="45" name="组合 44">
-            <a:extLst>
-              <a:ext uri="{FF2B5EF4-FFF2-40B4-BE49-F238E27FC236}">
-                <a16:creationId xmlns:a16="http://schemas.microsoft.com/office/drawing/2014/main" id="{F94368C8-BFCF-4583-8F78-8F7467610931}"/>
-              </a:ext>
-            </a:extLst>
-          </p:cNvPr>
+          <p:cNvPr id="45" name="组合 44"/>
           <p:cNvGrpSpPr/>
           <p:nvPr/>
         </p:nvGrpSpPr>
@@ -5163,13 +4492,7 @@
         </p:grpSpPr>
         <p:sp>
           <p:nvSpPr>
-            <p:cNvPr id="46" name="矩形 45">
-              <a:extLst>
-                <a:ext uri="{FF2B5EF4-FFF2-40B4-BE49-F238E27FC236}">
-                  <a16:creationId xmlns:a16="http://schemas.microsoft.com/office/drawing/2014/main" id="{D1CCC2D3-2C7C-4D48-91F7-A0F17C5F6364}"/>
-                </a:ext>
-              </a:extLst>
-            </p:cNvPr>
+            <p:cNvPr id="46" name="矩形 45"/>
             <p:cNvSpPr/>
             <p:nvPr/>
           </p:nvSpPr>
@@ -5212,13 +4535,7 @@
         </p:sp>
         <p:sp>
           <p:nvSpPr>
-            <p:cNvPr id="47" name="矩形 46">
-              <a:extLst>
-                <a:ext uri="{FF2B5EF4-FFF2-40B4-BE49-F238E27FC236}">
-                  <a16:creationId xmlns:a16="http://schemas.microsoft.com/office/drawing/2014/main" id="{7225486C-8944-4165-B7AC-704F2D20D472}"/>
-                </a:ext>
-              </a:extLst>
-            </p:cNvPr>
+            <p:cNvPr id="47" name="矩形 46"/>
             <p:cNvSpPr/>
             <p:nvPr/>
           </p:nvSpPr>
@@ -5261,13 +4578,7 @@
         </p:sp>
         <p:sp>
           <p:nvSpPr>
-            <p:cNvPr id="48" name="矩形 47">
-              <a:extLst>
-                <a:ext uri="{FF2B5EF4-FFF2-40B4-BE49-F238E27FC236}">
-                  <a16:creationId xmlns:a16="http://schemas.microsoft.com/office/drawing/2014/main" id="{4EDB779C-8044-475A-A518-31E8008E8165}"/>
-                </a:ext>
-              </a:extLst>
-            </p:cNvPr>
+            <p:cNvPr id="48" name="矩形 47"/>
             <p:cNvSpPr/>
             <p:nvPr/>
           </p:nvSpPr>
@@ -5310,13 +4621,7 @@
         </p:sp>
         <p:sp>
           <p:nvSpPr>
-            <p:cNvPr id="49" name="矩形 48">
-              <a:extLst>
-                <a:ext uri="{FF2B5EF4-FFF2-40B4-BE49-F238E27FC236}">
-                  <a16:creationId xmlns:a16="http://schemas.microsoft.com/office/drawing/2014/main" id="{E044DC03-D458-494F-9938-EC6CD523B73B}"/>
-                </a:ext>
-              </a:extLst>
-            </p:cNvPr>
+            <p:cNvPr id="49" name="矩形 48"/>
             <p:cNvSpPr/>
             <p:nvPr/>
           </p:nvSpPr>
@@ -5359,13 +4664,7 @@
         </p:sp>
         <p:sp>
           <p:nvSpPr>
-            <p:cNvPr id="50" name="矩形 49">
-              <a:extLst>
-                <a:ext uri="{FF2B5EF4-FFF2-40B4-BE49-F238E27FC236}">
-                  <a16:creationId xmlns:a16="http://schemas.microsoft.com/office/drawing/2014/main" id="{6C4EA7DC-6A57-4A17-83ED-A9A1999EC2BD}"/>
-                </a:ext>
-              </a:extLst>
-            </p:cNvPr>
+            <p:cNvPr id="50" name="矩形 49"/>
             <p:cNvSpPr/>
             <p:nvPr/>
           </p:nvSpPr>
@@ -5408,13 +4707,7 @@
         </p:sp>
         <p:sp>
           <p:nvSpPr>
-            <p:cNvPr id="51" name="矩形 50">
-              <a:extLst>
-                <a:ext uri="{FF2B5EF4-FFF2-40B4-BE49-F238E27FC236}">
-                  <a16:creationId xmlns:a16="http://schemas.microsoft.com/office/drawing/2014/main" id="{3347D1B8-E37D-43FE-A87A-59E89B846591}"/>
-                </a:ext>
-              </a:extLst>
-            </p:cNvPr>
+            <p:cNvPr id="51" name="矩形 50"/>
             <p:cNvSpPr/>
             <p:nvPr/>
           </p:nvSpPr>
@@ -5457,13 +4750,7 @@
         </p:sp>
         <p:sp>
           <p:nvSpPr>
-            <p:cNvPr id="52" name="矩形 51">
-              <a:extLst>
-                <a:ext uri="{FF2B5EF4-FFF2-40B4-BE49-F238E27FC236}">
-                  <a16:creationId xmlns:a16="http://schemas.microsoft.com/office/drawing/2014/main" id="{0157C68D-23F8-4CE5-B149-419164821249}"/>
-                </a:ext>
-              </a:extLst>
-            </p:cNvPr>
+            <p:cNvPr id="52" name="矩形 51"/>
             <p:cNvSpPr/>
             <p:nvPr/>
           </p:nvSpPr>
@@ -5507,13 +4794,7 @@
       </p:grpSp>
       <p:grpSp>
         <p:nvGrpSpPr>
-          <p:cNvPr id="53" name="组合 52">
-            <a:extLst>
-              <a:ext uri="{FF2B5EF4-FFF2-40B4-BE49-F238E27FC236}">
-                <a16:creationId xmlns:a16="http://schemas.microsoft.com/office/drawing/2014/main" id="{F613DFD9-772E-4275-B14E-83EC974442D0}"/>
-              </a:ext>
-            </a:extLst>
-          </p:cNvPr>
+          <p:cNvPr id="53" name="组合 52"/>
           <p:cNvGrpSpPr/>
           <p:nvPr/>
         </p:nvGrpSpPr>
@@ -5527,13 +4808,7 @@
         </p:grpSpPr>
         <p:sp>
           <p:nvSpPr>
-            <p:cNvPr id="54" name="矩形 53">
-              <a:extLst>
-                <a:ext uri="{FF2B5EF4-FFF2-40B4-BE49-F238E27FC236}">
-                  <a16:creationId xmlns:a16="http://schemas.microsoft.com/office/drawing/2014/main" id="{B0B8A0BB-3CA7-4E5E-891B-78A02A7C6E47}"/>
-                </a:ext>
-              </a:extLst>
-            </p:cNvPr>
+            <p:cNvPr id="54" name="矩形 53"/>
             <p:cNvSpPr/>
             <p:nvPr/>
           </p:nvSpPr>
@@ -5576,13 +4851,7 @@
         </p:sp>
         <p:sp>
           <p:nvSpPr>
-            <p:cNvPr id="55" name="矩形 54">
-              <a:extLst>
-                <a:ext uri="{FF2B5EF4-FFF2-40B4-BE49-F238E27FC236}">
-                  <a16:creationId xmlns:a16="http://schemas.microsoft.com/office/drawing/2014/main" id="{DE17DB49-FDB8-4AB7-B07D-A199264DF5F9}"/>
-                </a:ext>
-              </a:extLst>
-            </p:cNvPr>
+            <p:cNvPr id="55" name="矩形 54"/>
             <p:cNvSpPr/>
             <p:nvPr/>
           </p:nvSpPr>
@@ -5625,13 +4894,7 @@
         </p:sp>
         <p:sp>
           <p:nvSpPr>
-            <p:cNvPr id="56" name="矩形 55">
-              <a:extLst>
-                <a:ext uri="{FF2B5EF4-FFF2-40B4-BE49-F238E27FC236}">
-                  <a16:creationId xmlns:a16="http://schemas.microsoft.com/office/drawing/2014/main" id="{2FB1BEE0-CC2D-4F81-93F0-2F5133C93376}"/>
-                </a:ext>
-              </a:extLst>
-            </p:cNvPr>
+            <p:cNvPr id="56" name="矩形 55"/>
             <p:cNvSpPr/>
             <p:nvPr/>
           </p:nvSpPr>
@@ -5674,13 +4937,7 @@
         </p:sp>
         <p:sp>
           <p:nvSpPr>
-            <p:cNvPr id="57" name="矩形 56">
-              <a:extLst>
-                <a:ext uri="{FF2B5EF4-FFF2-40B4-BE49-F238E27FC236}">
-                  <a16:creationId xmlns:a16="http://schemas.microsoft.com/office/drawing/2014/main" id="{F3EA28D4-8094-4F84-A967-37A007668B0F}"/>
-                </a:ext>
-              </a:extLst>
-            </p:cNvPr>
+            <p:cNvPr id="57" name="矩形 56"/>
             <p:cNvSpPr/>
             <p:nvPr/>
           </p:nvSpPr>
@@ -5723,13 +4980,7 @@
         </p:sp>
         <p:sp>
           <p:nvSpPr>
-            <p:cNvPr id="58" name="矩形 57">
-              <a:extLst>
-                <a:ext uri="{FF2B5EF4-FFF2-40B4-BE49-F238E27FC236}">
-                  <a16:creationId xmlns:a16="http://schemas.microsoft.com/office/drawing/2014/main" id="{59887456-A331-41E3-B2FA-94967090ED68}"/>
-                </a:ext>
-              </a:extLst>
-            </p:cNvPr>
+            <p:cNvPr id="58" name="矩形 57"/>
             <p:cNvSpPr/>
             <p:nvPr/>
           </p:nvSpPr>
@@ -5772,13 +5023,7 @@
         </p:sp>
         <p:sp>
           <p:nvSpPr>
-            <p:cNvPr id="59" name="矩形 58">
-              <a:extLst>
-                <a:ext uri="{FF2B5EF4-FFF2-40B4-BE49-F238E27FC236}">
-                  <a16:creationId xmlns:a16="http://schemas.microsoft.com/office/drawing/2014/main" id="{33BD7D8C-5C32-4126-AD7B-0805544466EB}"/>
-                </a:ext>
-              </a:extLst>
-            </p:cNvPr>
+            <p:cNvPr id="59" name="矩形 58"/>
             <p:cNvSpPr/>
             <p:nvPr/>
           </p:nvSpPr>
@@ -5821,13 +5066,7 @@
         </p:sp>
         <p:sp>
           <p:nvSpPr>
-            <p:cNvPr id="60" name="矩形 59">
-              <a:extLst>
-                <a:ext uri="{FF2B5EF4-FFF2-40B4-BE49-F238E27FC236}">
-                  <a16:creationId xmlns:a16="http://schemas.microsoft.com/office/drawing/2014/main" id="{D38A22DA-5AB0-4DF3-85AE-C073E319F363}"/>
-                </a:ext>
-              </a:extLst>
-            </p:cNvPr>
+            <p:cNvPr id="60" name="矩形 59"/>
             <p:cNvSpPr/>
             <p:nvPr/>
           </p:nvSpPr>
@@ -5871,13 +5110,7 @@
       </p:grpSp>
       <p:sp>
         <p:nvSpPr>
-          <p:cNvPr id="61" name="矩形 60">
-            <a:extLst>
-              <a:ext uri="{FF2B5EF4-FFF2-40B4-BE49-F238E27FC236}">
-                <a16:creationId xmlns:a16="http://schemas.microsoft.com/office/drawing/2014/main" id="{4C9C261C-3C4D-447B-8FE2-2277E3AF48F7}"/>
-              </a:ext>
-            </a:extLst>
-          </p:cNvPr>
+          <p:cNvPr id="61" name="矩形 60"/>
           <p:cNvSpPr/>
           <p:nvPr/>
         </p:nvSpPr>
@@ -5920,13 +5153,7 @@
       </p:sp>
       <p:sp>
         <p:nvSpPr>
-          <p:cNvPr id="62" name="矩形 61">
-            <a:extLst>
-              <a:ext uri="{FF2B5EF4-FFF2-40B4-BE49-F238E27FC236}">
-                <a16:creationId xmlns:a16="http://schemas.microsoft.com/office/drawing/2014/main" id="{7513BBEB-8CD7-4507-9ACE-D7836ACE1C17}"/>
-              </a:ext>
-            </a:extLst>
-          </p:cNvPr>
+          <p:cNvPr id="62" name="矩形 61"/>
           <p:cNvSpPr/>
           <p:nvPr/>
         </p:nvSpPr>
@@ -5969,13 +5196,7 @@
       </p:sp>
       <p:sp>
         <p:nvSpPr>
-          <p:cNvPr id="63" name="矩形 62">
-            <a:extLst>
-              <a:ext uri="{FF2B5EF4-FFF2-40B4-BE49-F238E27FC236}">
-                <a16:creationId xmlns:a16="http://schemas.microsoft.com/office/drawing/2014/main" id="{019293D2-9C21-4993-BCF1-344E1EE97E25}"/>
-              </a:ext>
-            </a:extLst>
-          </p:cNvPr>
+          <p:cNvPr id="63" name="矩形 62"/>
           <p:cNvSpPr/>
           <p:nvPr/>
         </p:nvSpPr>
@@ -6018,13 +5239,7 @@
       </p:sp>
       <p:sp>
         <p:nvSpPr>
-          <p:cNvPr id="64" name="矩形 63">
-            <a:extLst>
-              <a:ext uri="{FF2B5EF4-FFF2-40B4-BE49-F238E27FC236}">
-                <a16:creationId xmlns:a16="http://schemas.microsoft.com/office/drawing/2014/main" id="{7B905965-E4B2-4D8E-A98E-241F8A8837BA}"/>
-              </a:ext>
-            </a:extLst>
-          </p:cNvPr>
+          <p:cNvPr id="64" name="矩形 63"/>
           <p:cNvSpPr/>
           <p:nvPr/>
         </p:nvSpPr>
@@ -6067,13 +5282,7 @@
       </p:sp>
       <p:sp>
         <p:nvSpPr>
-          <p:cNvPr id="65" name="矩形 64">
-            <a:extLst>
-              <a:ext uri="{FF2B5EF4-FFF2-40B4-BE49-F238E27FC236}">
-                <a16:creationId xmlns:a16="http://schemas.microsoft.com/office/drawing/2014/main" id="{83ED0042-CAD8-472E-94DB-26446436EB0A}"/>
-              </a:ext>
-            </a:extLst>
-          </p:cNvPr>
+          <p:cNvPr id="65" name="矩形 64"/>
           <p:cNvSpPr/>
           <p:nvPr/>
         </p:nvSpPr>
@@ -6116,13 +5325,7 @@
       </p:sp>
       <p:sp>
         <p:nvSpPr>
-          <p:cNvPr id="66" name="矩形 65">
-            <a:extLst>
-              <a:ext uri="{FF2B5EF4-FFF2-40B4-BE49-F238E27FC236}">
-                <a16:creationId xmlns:a16="http://schemas.microsoft.com/office/drawing/2014/main" id="{E204E33C-22ED-4863-8D1B-E4106BB23BF0}"/>
-              </a:ext>
-            </a:extLst>
-          </p:cNvPr>
+          <p:cNvPr id="66" name="矩形 65"/>
           <p:cNvSpPr/>
           <p:nvPr/>
         </p:nvSpPr>
@@ -6165,13 +5368,7 @@
       </p:sp>
       <p:sp>
         <p:nvSpPr>
-          <p:cNvPr id="67" name="矩形 66">
-            <a:extLst>
-              <a:ext uri="{FF2B5EF4-FFF2-40B4-BE49-F238E27FC236}">
-                <a16:creationId xmlns:a16="http://schemas.microsoft.com/office/drawing/2014/main" id="{BDA6E21D-0F7A-41A2-9315-A5482E2A2602}"/>
-              </a:ext>
-            </a:extLst>
-          </p:cNvPr>
+          <p:cNvPr id="67" name="矩形 66"/>
           <p:cNvSpPr/>
           <p:nvPr/>
         </p:nvSpPr>
@@ -6214,13 +5411,7 @@
       </p:sp>
       <p:sp>
         <p:nvSpPr>
-          <p:cNvPr id="68" name="矩形 67">
-            <a:extLst>
-              <a:ext uri="{FF2B5EF4-FFF2-40B4-BE49-F238E27FC236}">
-                <a16:creationId xmlns:a16="http://schemas.microsoft.com/office/drawing/2014/main" id="{501C6F57-53C8-40CF-9B6D-F3EC09A9FF95}"/>
-              </a:ext>
-            </a:extLst>
-          </p:cNvPr>
+          <p:cNvPr id="68" name="矩形 67"/>
           <p:cNvSpPr/>
           <p:nvPr/>
         </p:nvSpPr>
@@ -6263,13 +5454,7 @@
       </p:sp>
       <p:sp>
         <p:nvSpPr>
-          <p:cNvPr id="69" name="左大括号 68">
-            <a:extLst>
-              <a:ext uri="{FF2B5EF4-FFF2-40B4-BE49-F238E27FC236}">
-                <a16:creationId xmlns:a16="http://schemas.microsoft.com/office/drawing/2014/main" id="{FFA13424-BAD6-4308-80C2-5518E4FA3DAF}"/>
-              </a:ext>
-            </a:extLst>
-          </p:cNvPr>
+          <p:cNvPr id="69" name="左大括号 68"/>
           <p:cNvSpPr/>
           <p:nvPr/>
         </p:nvSpPr>
@@ -6315,13 +5500,7 @@
       </p:sp>
       <p:sp>
         <p:nvSpPr>
-          <p:cNvPr id="71" name="文本框 70">
-            <a:extLst>
-              <a:ext uri="{FF2B5EF4-FFF2-40B4-BE49-F238E27FC236}">
-                <a16:creationId xmlns:a16="http://schemas.microsoft.com/office/drawing/2014/main" id="{8EC7D3DD-D832-4894-9DAC-1804F3D627E0}"/>
-              </a:ext>
-            </a:extLst>
-          </p:cNvPr>
+          <p:cNvPr id="71" name="文本框 70"/>
           <p:cNvSpPr txBox="1"/>
           <p:nvPr/>
         </p:nvSpPr>
@@ -6351,13 +5530,7 @@
       </p:sp>
       <p:sp>
         <p:nvSpPr>
-          <p:cNvPr id="72" name="文本框 71">
-            <a:extLst>
-              <a:ext uri="{FF2B5EF4-FFF2-40B4-BE49-F238E27FC236}">
-                <a16:creationId xmlns:a16="http://schemas.microsoft.com/office/drawing/2014/main" id="{19D1B1B0-6FAF-470F-BB66-FCE08C90EC06}"/>
-              </a:ext>
-            </a:extLst>
-          </p:cNvPr>
+          <p:cNvPr id="72" name="文本框 71"/>
           <p:cNvSpPr txBox="1"/>
           <p:nvPr/>
         </p:nvSpPr>
@@ -6391,13 +5564,7 @@
       </p:sp>
       <p:sp>
         <p:nvSpPr>
-          <p:cNvPr id="73" name="左大括号 72">
-            <a:extLst>
-              <a:ext uri="{FF2B5EF4-FFF2-40B4-BE49-F238E27FC236}">
-                <a16:creationId xmlns:a16="http://schemas.microsoft.com/office/drawing/2014/main" id="{D03E00DF-86B0-4CAA-B65A-45ED3DED338B}"/>
-              </a:ext>
-            </a:extLst>
-          </p:cNvPr>
+          <p:cNvPr id="73" name="左大括号 72"/>
           <p:cNvSpPr/>
           <p:nvPr/>
         </p:nvSpPr>
@@ -6443,13 +5610,7 @@
       </p:sp>
       <p:cxnSp>
         <p:nvCxnSpPr>
-          <p:cNvPr id="77" name="直接箭头连接符 76">
-            <a:extLst>
-              <a:ext uri="{FF2B5EF4-FFF2-40B4-BE49-F238E27FC236}">
-                <a16:creationId xmlns:a16="http://schemas.microsoft.com/office/drawing/2014/main" id="{8F241B68-F827-4BD3-9B4C-8E3DB635A71B}"/>
-              </a:ext>
-            </a:extLst>
-          </p:cNvPr>
+          <p:cNvPr id="77" name="直接箭头连接符 76"/>
           <p:cNvCxnSpPr/>
           <p:nvPr/>
         </p:nvCxnSpPr>
@@ -6485,13 +5646,7 @@
       </p:cxnSp>
       <p:sp>
         <p:nvSpPr>
-          <p:cNvPr id="78" name="文本框 77">
-            <a:extLst>
-              <a:ext uri="{FF2B5EF4-FFF2-40B4-BE49-F238E27FC236}">
-                <a16:creationId xmlns:a16="http://schemas.microsoft.com/office/drawing/2014/main" id="{F0535DDC-34CC-4FC5-80DB-D4E2387DA184}"/>
-              </a:ext>
-            </a:extLst>
-          </p:cNvPr>
+          <p:cNvPr id="78" name="文本框 77"/>
           <p:cNvSpPr txBox="1"/>
           <p:nvPr/>
         </p:nvSpPr>
@@ -6555,11 +5710,558 @@
         </p:txBody>
       </p:sp>
     </p:spTree>
-    <p:extLst>
-      <p:ext uri="{BB962C8B-B14F-4D97-AF65-F5344CB8AC3E}">
-        <p14:creationId xmlns:p14="http://schemas.microsoft.com/office/powerpoint/2010/main" val="2346073688"/>
-      </p:ext>
-    </p:extLst>
+  </p:cSld>
+  <p:clrMapOvr>
+    <a:masterClrMapping/>
+  </p:clrMapOvr>
+</p:sld>
+</file>
+
+<file path=ppt/slides/slide2.xml><?xml version="1.0" encoding="utf-8"?>
+<p:sld xmlns:a="http://schemas.openxmlformats.org/drawingml/2006/main" xmlns:r="http://schemas.openxmlformats.org/officeDocument/2006/relationships" xmlns:p="http://schemas.openxmlformats.org/presentationml/2006/main">
+  <p:cSld>
+    <p:spTree>
+      <p:nvGrpSpPr>
+        <p:cNvPr id="1" name=""/>
+        <p:cNvGrpSpPr/>
+        <p:nvPr/>
+      </p:nvGrpSpPr>
+      <p:grpSpPr/>
+      <p:sp>
+        <p:nvSpPr>
+          <p:cNvPr id="5" name="Cube 4"/>
+          <p:cNvSpPr/>
+          <p:nvPr/>
+        </p:nvSpPr>
+        <p:spPr>
+          <a:xfrm>
+            <a:off x="3524250" y="2641600"/>
+            <a:ext cx="5937885" cy="632460"/>
+          </a:xfrm>
+          <a:prstGeom prst="cube">
+            <a:avLst>
+              <a:gd name="adj" fmla="val 29971"/>
+            </a:avLst>
+          </a:prstGeom>
+        </p:spPr>
+        <p:style>
+          <a:lnRef idx="3">
+            <a:schemeClr val="lt1"/>
+          </a:lnRef>
+          <a:fillRef idx="1">
+            <a:schemeClr val="accent6"/>
+          </a:fillRef>
+          <a:effectRef idx="1">
+            <a:schemeClr val="accent6"/>
+          </a:effectRef>
+          <a:fontRef idx="minor">
+            <a:schemeClr val="lt1"/>
+          </a:fontRef>
+        </p:style>
+        <p:txBody>
+          <a:bodyPr rtlCol="0" anchor="ctr"/>
+          <a:p>
+            <a:pPr algn="ctr"/>
+            <a:endParaRPr lang="en-US"/>
+          </a:p>
+        </p:txBody>
+      </p:sp>
+      <p:sp>
+        <p:nvSpPr>
+          <p:cNvPr id="4" name="Cube 3"/>
+          <p:cNvSpPr/>
+          <p:nvPr/>
+        </p:nvSpPr>
+        <p:spPr>
+          <a:xfrm>
+            <a:off x="3344545" y="1288415"/>
+            <a:ext cx="6470015" cy="3117215"/>
+          </a:xfrm>
+          <a:prstGeom prst="cube">
+            <a:avLst/>
+          </a:prstGeom>
+          <a:noFill/>
+          <a:ln w="38100"/>
+          <a:extLst>
+            <a:ext uri="{909E8E84-426E-40DD-AFC4-6F175D3DCCD1}">
+              <a14:hiddenFill xmlns:a14="http://schemas.microsoft.com/office/drawing/2010/main">
+                <a:solidFill>
+                  <a:schemeClr val="accent1"/>
+                </a:solidFill>
+              </a14:hiddenFill>
+            </a:ext>
+          </a:extLst>
+        </p:spPr>
+        <p:style>
+          <a:lnRef idx="2">
+            <a:schemeClr val="accent1">
+              <a:shade val="50000"/>
+            </a:schemeClr>
+          </a:lnRef>
+          <a:fillRef idx="1">
+            <a:schemeClr val="accent1"/>
+          </a:fillRef>
+          <a:effectRef idx="0">
+            <a:schemeClr val="accent1"/>
+          </a:effectRef>
+          <a:fontRef idx="minor">
+            <a:schemeClr val="lt1"/>
+          </a:fontRef>
+        </p:style>
+        <p:txBody>
+          <a:bodyPr rtlCol="0" anchor="ctr"/>
+          <a:p>
+            <a:pPr algn="ctr"/>
+            <a:endParaRPr lang="en-US"/>
+          </a:p>
+        </p:txBody>
+      </p:sp>
+      <p:sp>
+        <p:nvSpPr>
+          <p:cNvPr id="6" name="Text Box 5"/>
+          <p:cNvSpPr txBox="1"/>
+          <p:nvPr/>
+        </p:nvSpPr>
+        <p:spPr>
+          <a:xfrm>
+            <a:off x="9419590" y="4128770"/>
+            <a:ext cx="375285" cy="418465"/>
+          </a:xfrm>
+          <a:prstGeom prst="rect">
+            <a:avLst/>
+          </a:prstGeom>
+          <a:noFill/>
+        </p:spPr>
+        <p:txBody>
+          <a:bodyPr wrap="square" rtlCol="0">
+            <a:spAutoFit/>
+          </a:bodyPr>
+          <a:p>
+            <a:r>
+              <a:rPr lang="x-none" altLang="en-US"/>
+              <a:t>7</a:t>
+            </a:r>
+            <a:endParaRPr lang="x-none" altLang="en-US"/>
+          </a:p>
+        </p:txBody>
+      </p:sp>
+      <p:sp>
+        <p:nvSpPr>
+          <p:cNvPr id="7" name="Text Box 6"/>
+          <p:cNvSpPr txBox="1"/>
+          <p:nvPr/>
+        </p:nvSpPr>
+        <p:spPr>
+          <a:xfrm>
+            <a:off x="10011410" y="2343150"/>
+            <a:ext cx="414655" cy="418465"/>
+          </a:xfrm>
+          <a:prstGeom prst="rect">
+            <a:avLst/>
+          </a:prstGeom>
+          <a:noFill/>
+        </p:spPr>
+        <p:txBody>
+          <a:bodyPr wrap="square" rtlCol="0">
+            <a:spAutoFit/>
+          </a:bodyPr>
+          <a:p>
+            <a:r>
+              <a:rPr lang="x-none" altLang="en-US"/>
+              <a:t>7</a:t>
+            </a:r>
+            <a:endParaRPr lang="x-none" altLang="en-US"/>
+          </a:p>
+        </p:txBody>
+      </p:sp>
+      <p:sp>
+        <p:nvSpPr>
+          <p:cNvPr id="8" name="Text Box 7"/>
+          <p:cNvSpPr txBox="1"/>
+          <p:nvPr/>
+        </p:nvSpPr>
+        <p:spPr>
+          <a:xfrm>
+            <a:off x="5405120" y="3408680"/>
+            <a:ext cx="1183640" cy="418465"/>
+          </a:xfrm>
+          <a:prstGeom prst="rect">
+            <a:avLst/>
+          </a:prstGeom>
+          <a:noFill/>
+        </p:spPr>
+        <p:txBody>
+          <a:bodyPr wrap="square" rtlCol="0">
+            <a:spAutoFit/>
+          </a:bodyPr>
+          <a:p>
+            <a:r>
+              <a:rPr lang="x-none" altLang="en-US"/>
+              <a:t>30</a:t>
+            </a:r>
+            <a:endParaRPr lang="x-none" altLang="en-US"/>
+          </a:p>
+        </p:txBody>
+      </p:sp>
+      <p:sp>
+        <p:nvSpPr>
+          <p:cNvPr id="9" name="Rectangle 8"/>
+          <p:cNvSpPr/>
+          <p:nvPr/>
+        </p:nvSpPr>
+        <p:spPr>
+          <a:xfrm>
+            <a:off x="2860040" y="4799965"/>
+            <a:ext cx="3708400" cy="483235"/>
+          </a:xfrm>
+          <a:prstGeom prst="rect">
+            <a:avLst/>
+          </a:prstGeom>
+          <a:ln>
+            <a:solidFill>
+              <a:schemeClr val="tx1"/>
+            </a:solidFill>
+          </a:ln>
+        </p:spPr>
+        <p:style>
+          <a:lnRef idx="2">
+            <a:schemeClr val="accent2">
+              <a:shade val="50000"/>
+            </a:schemeClr>
+          </a:lnRef>
+          <a:fillRef idx="1">
+            <a:schemeClr val="accent2"/>
+          </a:fillRef>
+          <a:effectRef idx="0">
+            <a:schemeClr val="accent2"/>
+          </a:effectRef>
+          <a:fontRef idx="minor">
+            <a:schemeClr val="lt1"/>
+          </a:fontRef>
+        </p:style>
+        <p:txBody>
+          <a:bodyPr rtlCol="0" anchor="ctr"/>
+          <a:p>
+            <a:pPr algn="ctr"/>
+            <a:endParaRPr lang="en-US"/>
+          </a:p>
+        </p:txBody>
+      </p:sp>
+      <p:sp>
+        <p:nvSpPr>
+          <p:cNvPr id="10" name="Rectangle 9"/>
+          <p:cNvSpPr/>
+          <p:nvPr/>
+        </p:nvSpPr>
+        <p:spPr>
+          <a:xfrm>
+            <a:off x="6570345" y="4801235"/>
+            <a:ext cx="394335" cy="483235"/>
+          </a:xfrm>
+          <a:prstGeom prst="rect">
+            <a:avLst/>
+          </a:prstGeom>
+        </p:spPr>
+        <p:style>
+          <a:lnRef idx="2">
+            <a:schemeClr val="accent1">
+              <a:shade val="50000"/>
+            </a:schemeClr>
+          </a:lnRef>
+          <a:fillRef idx="1">
+            <a:schemeClr val="accent1"/>
+          </a:fillRef>
+          <a:effectRef idx="0">
+            <a:schemeClr val="accent1"/>
+          </a:effectRef>
+          <a:fontRef idx="minor">
+            <a:schemeClr val="lt1"/>
+          </a:fontRef>
+        </p:style>
+        <p:txBody>
+          <a:bodyPr rtlCol="0" anchor="ctr"/>
+          <a:p>
+            <a:pPr algn="ctr"/>
+            <a:endParaRPr lang="en-US"/>
+          </a:p>
+        </p:txBody>
+      </p:sp>
+      <p:sp>
+        <p:nvSpPr>
+          <p:cNvPr id="11" name="Rectangle 10"/>
+          <p:cNvSpPr/>
+          <p:nvPr/>
+        </p:nvSpPr>
+        <p:spPr>
+          <a:xfrm>
+            <a:off x="6967220" y="4801870"/>
+            <a:ext cx="2662555" cy="483235"/>
+          </a:xfrm>
+          <a:prstGeom prst="rect">
+            <a:avLst/>
+          </a:prstGeom>
+        </p:spPr>
+        <p:style>
+          <a:lnRef idx="2">
+            <a:schemeClr val="accent3">
+              <a:shade val="50000"/>
+            </a:schemeClr>
+          </a:lnRef>
+          <a:fillRef idx="1">
+            <a:schemeClr val="accent3"/>
+          </a:fillRef>
+          <a:effectRef idx="0">
+            <a:schemeClr val="accent3"/>
+          </a:effectRef>
+          <a:fontRef idx="minor">
+            <a:schemeClr val="lt1"/>
+          </a:fontRef>
+        </p:style>
+        <p:txBody>
+          <a:bodyPr rtlCol="0" anchor="ctr"/>
+          <a:p>
+            <a:pPr algn="ctr"/>
+            <a:endParaRPr lang="en-US"/>
+          </a:p>
+        </p:txBody>
+      </p:sp>
+      <p:sp>
+        <p:nvSpPr>
+          <p:cNvPr id="12" name="Left Brace 11"/>
+          <p:cNvSpPr/>
+          <p:nvPr/>
+        </p:nvSpPr>
+        <p:spPr>
+          <a:xfrm rot="16200000">
+            <a:off x="4529455" y="3768725"/>
+            <a:ext cx="418465" cy="3638550"/>
+          </a:xfrm>
+          <a:prstGeom prst="leftBrace">
+            <a:avLst/>
+          </a:prstGeom>
+        </p:spPr>
+        <p:style>
+          <a:lnRef idx="3">
+            <a:schemeClr val="dk1"/>
+          </a:lnRef>
+          <a:fillRef idx="0">
+            <a:schemeClr val="dk1"/>
+          </a:fillRef>
+          <a:effectRef idx="2">
+            <a:schemeClr val="dk1"/>
+          </a:effectRef>
+          <a:fontRef idx="minor">
+            <a:schemeClr val="tx1"/>
+          </a:fontRef>
+        </p:style>
+        <p:txBody>
+          <a:bodyPr rtlCol="0" anchor="ctr"/>
+          <a:p>
+            <a:pPr algn="ctr"/>
+            <a:endParaRPr lang="en-US"/>
+          </a:p>
+        </p:txBody>
+      </p:sp>
+      <p:sp>
+        <p:nvSpPr>
+          <p:cNvPr id="13" name="Left Brace 12"/>
+          <p:cNvSpPr/>
+          <p:nvPr/>
+        </p:nvSpPr>
+        <p:spPr>
+          <a:xfrm rot="16200000">
+            <a:off x="8091805" y="4242435"/>
+            <a:ext cx="418465" cy="2652395"/>
+          </a:xfrm>
+          <a:prstGeom prst="leftBrace">
+            <a:avLst/>
+          </a:prstGeom>
+        </p:spPr>
+        <p:style>
+          <a:lnRef idx="3">
+            <a:schemeClr val="dk1"/>
+          </a:lnRef>
+          <a:fillRef idx="0">
+            <a:schemeClr val="dk1"/>
+          </a:fillRef>
+          <a:effectRef idx="2">
+            <a:schemeClr val="dk1"/>
+          </a:effectRef>
+          <a:fontRef idx="minor">
+            <a:schemeClr val="tx1"/>
+          </a:fontRef>
+        </p:style>
+        <p:txBody>
+          <a:bodyPr rtlCol="0" anchor="ctr"/>
+          <a:p>
+            <a:pPr algn="ctr"/>
+            <a:endParaRPr lang="en-US"/>
+          </a:p>
+        </p:txBody>
+      </p:sp>
+      <p:sp>
+        <p:nvSpPr>
+          <p:cNvPr id="14" name="Left Brace 13"/>
+          <p:cNvSpPr/>
+          <p:nvPr/>
+        </p:nvSpPr>
+        <p:spPr>
+          <a:xfrm rot="16200000">
+            <a:off x="6593205" y="5427345"/>
+            <a:ext cx="361315" cy="344805"/>
+          </a:xfrm>
+          <a:prstGeom prst="leftBrace">
+            <a:avLst/>
+          </a:prstGeom>
+        </p:spPr>
+        <p:style>
+          <a:lnRef idx="3">
+            <a:schemeClr val="dk1"/>
+          </a:lnRef>
+          <a:fillRef idx="0">
+            <a:schemeClr val="dk1"/>
+          </a:fillRef>
+          <a:effectRef idx="2">
+            <a:schemeClr val="dk1"/>
+          </a:effectRef>
+          <a:fontRef idx="minor">
+            <a:schemeClr val="tx1"/>
+          </a:fontRef>
+        </p:style>
+        <p:txBody>
+          <a:bodyPr rtlCol="0" anchor="ctr"/>
+          <a:p>
+            <a:pPr algn="ctr"/>
+            <a:endParaRPr lang="en-US"/>
+          </a:p>
+        </p:txBody>
+      </p:sp>
+      <p:sp>
+        <p:nvSpPr>
+          <p:cNvPr id="15" name="Text Box 14"/>
+          <p:cNvSpPr txBox="1"/>
+          <p:nvPr/>
+        </p:nvSpPr>
+        <p:spPr>
+          <a:xfrm>
+            <a:off x="4024630" y="5984240"/>
+            <a:ext cx="1903095" cy="423545"/>
+          </a:xfrm>
+          <a:prstGeom prst="rect">
+            <a:avLst/>
+          </a:prstGeom>
+          <a:noFill/>
+        </p:spPr>
+        <p:txBody>
+          <a:bodyPr wrap="square" rtlCol="0">
+            <a:spAutoFit/>
+          </a:bodyPr>
+          <a:p>
+            <a:r>
+              <a:rPr lang="x-none" altLang="en-US"/>
+              <a:t>20个类别概率</a:t>
+            </a:r>
+            <a:endParaRPr lang="x-none" altLang="en-US"/>
+          </a:p>
+        </p:txBody>
+      </p:sp>
+      <p:sp>
+        <p:nvSpPr>
+          <p:cNvPr id="16" name="Text Box 15"/>
+          <p:cNvSpPr txBox="1"/>
+          <p:nvPr/>
+        </p:nvSpPr>
+        <p:spPr>
+          <a:xfrm>
+            <a:off x="5932170" y="5985510"/>
+            <a:ext cx="1903095" cy="423545"/>
+          </a:xfrm>
+          <a:prstGeom prst="rect">
+            <a:avLst/>
+          </a:prstGeom>
+          <a:noFill/>
+        </p:spPr>
+        <p:txBody>
+          <a:bodyPr wrap="square" rtlCol="0">
+            <a:spAutoFit/>
+          </a:bodyPr>
+          <a:p>
+            <a:r>
+              <a:rPr lang="x-none" altLang="en-US"/>
+              <a:t>2个confidence</a:t>
+            </a:r>
+            <a:endParaRPr lang="x-none" altLang="en-US"/>
+          </a:p>
+        </p:txBody>
+      </p:sp>
+      <p:sp>
+        <p:nvSpPr>
+          <p:cNvPr id="17" name="Text Box 16"/>
+          <p:cNvSpPr txBox="1"/>
+          <p:nvPr/>
+        </p:nvSpPr>
+        <p:spPr>
+          <a:xfrm>
+            <a:off x="7978775" y="5985510"/>
+            <a:ext cx="1903095" cy="423545"/>
+          </a:xfrm>
+          <a:prstGeom prst="rect">
+            <a:avLst/>
+          </a:prstGeom>
+          <a:noFill/>
+        </p:spPr>
+        <p:txBody>
+          <a:bodyPr wrap="square" rtlCol="0">
+            <a:spAutoFit/>
+          </a:bodyPr>
+          <a:p>
+            <a:r>
+              <a:rPr lang="x-none" altLang="en-US"/>
+              <a:t>2个xywh</a:t>
+            </a:r>
+            <a:endParaRPr lang="x-none" altLang="en-US"/>
+          </a:p>
+        </p:txBody>
+      </p:sp>
+      <p:cxnSp>
+        <p:nvCxnSpPr>
+          <p:cNvPr id="18" name="Curved Connector 17"/>
+          <p:cNvCxnSpPr>
+            <a:stCxn id="5" idx="2"/>
+            <a:endCxn id="9" idx="1"/>
+          </p:cNvCxnSpPr>
+          <p:nvPr/>
+        </p:nvCxnSpPr>
+        <p:spPr>
+          <a:xfrm rot="10800000" flipV="1">
+            <a:off x="2860040" y="3051810"/>
+            <a:ext cx="664210" cy="1989455"/>
+          </a:xfrm>
+          <a:prstGeom prst="curvedConnector3">
+            <a:avLst>
+              <a:gd name="adj1" fmla="val 186424"/>
+            </a:avLst>
+          </a:prstGeom>
+          <a:ln>
+            <a:tailEnd type="arrow" w="med" len="med"/>
+          </a:ln>
+        </p:spPr>
+        <p:style>
+          <a:lnRef idx="3">
+            <a:schemeClr val="dk1"/>
+          </a:lnRef>
+          <a:fillRef idx="0">
+            <a:schemeClr val="dk1"/>
+          </a:fillRef>
+          <a:effectRef idx="2">
+            <a:schemeClr val="dk1"/>
+          </a:effectRef>
+          <a:fontRef idx="minor">
+            <a:schemeClr val="tx1"/>
+          </a:fontRef>
+        </p:style>
+      </p:cxnSp>
+    </p:spTree>
   </p:cSld>
   <p:clrMapOvr>
     <a:masterClrMapping/>
@@ -6610,7 +6312,7 @@
     </a:clrScheme>
     <a:fontScheme name="Office">
       <a:majorFont>
-        <a:latin typeface="等线 Light" panose="020F0302020204030204"/>
+        <a:latin typeface="等线 Light"/>
         <a:ea typeface=""/>
         <a:cs typeface=""/>
         <a:font script="Jpan" typeface="游ゴシック Light"/>
@@ -6643,26 +6345,9 @@
         <a:font script="Viet" typeface="Times New Roman"/>
         <a:font script="Uigh" typeface="Microsoft Uighur"/>
         <a:font script="Geor" typeface="Sylfaen"/>
-        <a:font script="Armn" typeface="Arial"/>
-        <a:font script="Bugi" typeface="Leelawadee UI"/>
-        <a:font script="Bopo" typeface="Microsoft JhengHei"/>
-        <a:font script="Java" typeface="Javanese Text"/>
-        <a:font script="Lisu" typeface="Segoe UI"/>
-        <a:font script="Mymr" typeface="Myanmar Text"/>
-        <a:font script="Nkoo" typeface="Ebrima"/>
-        <a:font script="Olck" typeface="Nirmala UI"/>
-        <a:font script="Osma" typeface="Ebrima"/>
-        <a:font script="Phag" typeface="Phagspa"/>
-        <a:font script="Syrn" typeface="Estrangelo Edessa"/>
-        <a:font script="Syrj" typeface="Estrangelo Edessa"/>
-        <a:font script="Syre" typeface="Estrangelo Edessa"/>
-        <a:font script="Sora" typeface="Nirmala UI"/>
-        <a:font script="Tale" typeface="Microsoft Tai Le"/>
-        <a:font script="Talu" typeface="Microsoft New Tai Lue"/>
-        <a:font script="Tfng" typeface="Ebrima"/>
       </a:majorFont>
       <a:minorFont>
-        <a:latin typeface="等线" panose="020F0502020204030204"/>
+        <a:latin typeface="等线"/>
         <a:ea typeface=""/>
         <a:cs typeface=""/>
         <a:font script="Jpan" typeface="游ゴシック"/>
@@ -6695,23 +6380,6 @@
         <a:font script="Viet" typeface="Arial"/>
         <a:font script="Uigh" typeface="Microsoft Uighur"/>
         <a:font script="Geor" typeface="Sylfaen"/>
-        <a:font script="Armn" typeface="Arial"/>
-        <a:font script="Bugi" typeface="Leelawadee UI"/>
-        <a:font script="Bopo" typeface="Microsoft JhengHei"/>
-        <a:font script="Java" typeface="Javanese Text"/>
-        <a:font script="Lisu" typeface="Segoe UI"/>
-        <a:font script="Mymr" typeface="Myanmar Text"/>
-        <a:font script="Nkoo" typeface="Ebrima"/>
-        <a:font script="Olck" typeface="Nirmala UI"/>
-        <a:font script="Osma" typeface="Ebrima"/>
-        <a:font script="Phag" typeface="Phagspa"/>
-        <a:font script="Syrn" typeface="Estrangelo Edessa"/>
-        <a:font script="Syrj" typeface="Estrangelo Edessa"/>
-        <a:font script="Syre" typeface="Estrangelo Edessa"/>
-        <a:font script="Sora" typeface="Nirmala UI"/>
-        <a:font script="Tale" typeface="Microsoft Tai Le"/>
-        <a:font script="Talu" typeface="Microsoft New Tai Lue"/>
-        <a:font script="Tfng" typeface="Ebrima"/>
       </a:minorFont>
     </a:fontScheme>
     <a:fmtScheme name="Office">
